--- a/CMSAC Poster.pptx
+++ b/CMSAC Poster.pptx
@@ -3647,6 +3647,96 @@
           <a:chExt cx="0" cy="0"/>
         </a:xfrm>
       </p:grpSpPr>
+      <p:pic>
+        <p:nvPicPr>
+          <p:cNvPr id="2066" name="Picture 2065">
+            <a:extLst>
+              <a:ext uri="{FF2B5EF4-FFF2-40B4-BE49-F238E27FC236}">
+                <a16:creationId xmlns:a16="http://schemas.microsoft.com/office/drawing/2014/main" id="{4DCD481E-5C22-D99F-5F22-BC0DC6B5EB59}"/>
+              </a:ext>
+            </a:extLst>
+          </p:cNvPr>
+          <p:cNvPicPr>
+            <a:picLocks noChangeAspect="1"/>
+          </p:cNvPicPr>
+          <p:nvPr/>
+        </p:nvPicPr>
+        <p:blipFill>
+          <a:blip r:embed="rId3"/>
+          <a:stretch>
+            <a:fillRect/>
+          </a:stretch>
+        </p:blipFill>
+        <p:spPr>
+          <a:xfrm>
+            <a:off x="26458609" y="16281364"/>
+            <a:ext cx="3596850" cy="3177585"/>
+          </a:xfrm>
+          <a:prstGeom prst="rect">
+            <a:avLst/>
+          </a:prstGeom>
+        </p:spPr>
+      </p:pic>
+      <p:pic>
+        <p:nvPicPr>
+          <p:cNvPr id="2067" name="Picture 2066">
+            <a:extLst>
+              <a:ext uri="{FF2B5EF4-FFF2-40B4-BE49-F238E27FC236}">
+                <a16:creationId xmlns:a16="http://schemas.microsoft.com/office/drawing/2014/main" id="{D7491380-1E3E-1CA4-3C55-B470B3F405BF}"/>
+              </a:ext>
+            </a:extLst>
+          </p:cNvPr>
+          <p:cNvPicPr>
+            <a:picLocks noChangeAspect="1"/>
+          </p:cNvPicPr>
+          <p:nvPr/>
+        </p:nvPicPr>
+        <p:blipFill>
+          <a:blip r:embed="rId4"/>
+          <a:stretch>
+            <a:fillRect/>
+          </a:stretch>
+        </p:blipFill>
+        <p:spPr>
+          <a:xfrm>
+            <a:off x="22801495" y="16281364"/>
+            <a:ext cx="3596850" cy="3177585"/>
+          </a:xfrm>
+          <a:prstGeom prst="rect">
+            <a:avLst/>
+          </a:prstGeom>
+        </p:spPr>
+      </p:pic>
+      <p:pic>
+        <p:nvPicPr>
+          <p:cNvPr id="16" name="Picture 15">
+            <a:extLst>
+              <a:ext uri="{FF2B5EF4-FFF2-40B4-BE49-F238E27FC236}">
+                <a16:creationId xmlns:a16="http://schemas.microsoft.com/office/drawing/2014/main" id="{C9032B96-1C0C-E75A-02DF-0F44513A5820}"/>
+              </a:ext>
+            </a:extLst>
+          </p:cNvPr>
+          <p:cNvPicPr>
+            <a:picLocks noChangeAspect="1"/>
+          </p:cNvPicPr>
+          <p:nvPr/>
+        </p:nvPicPr>
+        <p:blipFill>
+          <a:blip r:embed="rId5"/>
+          <a:stretch>
+            <a:fillRect/>
+          </a:stretch>
+        </p:blipFill>
+        <p:spPr>
+          <a:xfrm>
+            <a:off x="6781354" y="18342785"/>
+            <a:ext cx="5924550" cy="5229225"/>
+          </a:xfrm>
+          <a:prstGeom prst="rect">
+            <a:avLst/>
+          </a:prstGeom>
+        </p:spPr>
+      </p:pic>
       <p:sp>
         <p:nvSpPr>
           <p:cNvPr id="2050" name="Rectangle 4"/>
@@ -3792,10 +3882,12 @@
               <a:defRPr/>
             </a:pPr>
             <a:r>
-              <a:rPr lang="en-US" altLang="en-US" sz="8800" b="1" dirty="0">
+              <a:rPr lang="en-US" altLang="en-US" sz="9600" b="1" dirty="0">
                 <a:solidFill>
                   <a:schemeClr val="bg1"/>
                 </a:solidFill>
+                <a:latin typeface="Times New Roman" panose="02020603050405020304" pitchFamily="18" charset="0"/>
+                <a:cs typeface="Times New Roman" panose="02020603050405020304" pitchFamily="18" charset="0"/>
               </a:rPr>
               <a:t>Optimal Pitch Subtype Permutations for MLB Starting Pitchers</a:t>
             </a:r>
@@ -3805,10 +3897,12 @@
               <a:defRPr/>
             </a:pPr>
             <a:r>
-              <a:rPr lang="en-US" altLang="en-US" sz="3150" b="1" dirty="0">
+              <a:rPr lang="en-US" altLang="en-US" sz="3600" b="1" dirty="0">
                 <a:solidFill>
                   <a:schemeClr val="bg1"/>
                 </a:solidFill>
+                <a:latin typeface="Times New Roman" panose="02020603050405020304" pitchFamily="18" charset="0"/>
+                <a:cs typeface="Times New Roman" panose="02020603050405020304" pitchFamily="18" charset="0"/>
               </a:rPr>
               <a:t>Sebastian Kirkpatrick                    Gregory Matthews</a:t>
             </a:r>
@@ -3818,144 +3912,22 @@
               <a:defRPr/>
             </a:pPr>
             <a:r>
-              <a:rPr lang="en-US" altLang="en-US" sz="3150" b="1" dirty="0">
+              <a:rPr lang="en-US" altLang="en-US" sz="3600" b="1" dirty="0">
                 <a:solidFill>
                   <a:schemeClr val="bg1"/>
                 </a:solidFill>
+                <a:latin typeface="Times New Roman" panose="02020603050405020304" pitchFamily="18" charset="0"/>
+                <a:cs typeface="Times New Roman" panose="02020603050405020304" pitchFamily="18" charset="0"/>
               </a:rPr>
               <a:t>                          Loyola University Chicago            Loyola University Chicago </a:t>
             </a:r>
-          </a:p>
-        </p:txBody>
-      </p:sp>
-      <p:sp>
-        <p:nvSpPr>
-          <p:cNvPr id="2051" name="Rectangle 5"/>
-          <p:cNvSpPr>
-            <a:spLocks noChangeArrowheads="1"/>
-          </p:cNvSpPr>
-          <p:nvPr/>
-        </p:nvSpPr>
-        <p:spPr bwMode="auto">
-          <a:xfrm>
-            <a:off x="-1588" y="31869063"/>
-            <a:ext cx="43892788" cy="1006475"/>
-          </a:xfrm>
-          <a:prstGeom prst="rect">
-            <a:avLst/>
-          </a:prstGeom>
-          <a:solidFill>
-            <a:srgbClr val="5A0722"/>
-          </a:solidFill>
-          <a:ln>
-            <a:noFill/>
-          </a:ln>
-        </p:spPr>
-        <p:txBody>
-          <a:bodyPr wrap="none" anchor="ctr"/>
-          <a:lstStyle>
-            <a:lvl1pPr eaLnBrk="0" hangingPunct="0">
-              <a:defRPr sz="3500">
-                <a:solidFill>
-                  <a:schemeClr val="tx1"/>
-                </a:solidFill>
-                <a:latin typeface="Arial" panose="020B0604020202020204" pitchFamily="34" charset="0"/>
-              </a:defRPr>
-            </a:lvl1pPr>
-            <a:lvl2pPr marL="742950" indent="-285750" eaLnBrk="0" hangingPunct="0">
-              <a:defRPr sz="3500">
-                <a:solidFill>
-                  <a:schemeClr val="tx1"/>
-                </a:solidFill>
-                <a:latin typeface="Arial" panose="020B0604020202020204" pitchFamily="34" charset="0"/>
-              </a:defRPr>
-            </a:lvl2pPr>
-            <a:lvl3pPr marL="1143000" indent="-228600" eaLnBrk="0" hangingPunct="0">
-              <a:defRPr sz="3500">
-                <a:solidFill>
-                  <a:schemeClr val="tx1"/>
-                </a:solidFill>
-                <a:latin typeface="Arial" panose="020B0604020202020204" pitchFamily="34" charset="0"/>
-              </a:defRPr>
-            </a:lvl3pPr>
-            <a:lvl4pPr marL="1600200" indent="-228600" eaLnBrk="0" hangingPunct="0">
-              <a:defRPr sz="3500">
-                <a:solidFill>
-                  <a:schemeClr val="tx1"/>
-                </a:solidFill>
-                <a:latin typeface="Arial" panose="020B0604020202020204" pitchFamily="34" charset="0"/>
-              </a:defRPr>
-            </a:lvl4pPr>
-            <a:lvl5pPr marL="2057400" indent="-228600" eaLnBrk="0" hangingPunct="0">
-              <a:defRPr sz="3500">
-                <a:solidFill>
-                  <a:schemeClr val="tx1"/>
-                </a:solidFill>
-                <a:latin typeface="Arial" panose="020B0604020202020204" pitchFamily="34" charset="0"/>
-              </a:defRPr>
-            </a:lvl5pPr>
-            <a:lvl6pPr marL="2514600" indent="-228600" eaLnBrk="0" fontAlgn="base" hangingPunct="0">
-              <a:spcBef>
-                <a:spcPct val="0"/>
-              </a:spcBef>
-              <a:spcAft>
-                <a:spcPct val="0"/>
-              </a:spcAft>
-              <a:defRPr sz="3500">
-                <a:solidFill>
-                  <a:schemeClr val="tx1"/>
-                </a:solidFill>
-                <a:latin typeface="Arial" panose="020B0604020202020204" pitchFamily="34" charset="0"/>
-              </a:defRPr>
-            </a:lvl6pPr>
-            <a:lvl7pPr marL="2971800" indent="-228600" eaLnBrk="0" fontAlgn="base" hangingPunct="0">
-              <a:spcBef>
-                <a:spcPct val="0"/>
-              </a:spcBef>
-              <a:spcAft>
-                <a:spcPct val="0"/>
-              </a:spcAft>
-              <a:defRPr sz="3500">
-                <a:solidFill>
-                  <a:schemeClr val="tx1"/>
-                </a:solidFill>
-                <a:latin typeface="Arial" panose="020B0604020202020204" pitchFamily="34" charset="0"/>
-              </a:defRPr>
-            </a:lvl7pPr>
-            <a:lvl8pPr marL="3429000" indent="-228600" eaLnBrk="0" fontAlgn="base" hangingPunct="0">
-              <a:spcBef>
-                <a:spcPct val="0"/>
-              </a:spcBef>
-              <a:spcAft>
-                <a:spcPct val="0"/>
-              </a:spcAft>
-              <a:defRPr sz="3500">
-                <a:solidFill>
-                  <a:schemeClr val="tx1"/>
-                </a:solidFill>
-                <a:latin typeface="Arial" panose="020B0604020202020204" pitchFamily="34" charset="0"/>
-              </a:defRPr>
-            </a:lvl8pPr>
-            <a:lvl9pPr marL="3886200" indent="-228600" eaLnBrk="0" fontAlgn="base" hangingPunct="0">
-              <a:spcBef>
-                <a:spcPct val="0"/>
-              </a:spcBef>
-              <a:spcAft>
-                <a:spcPct val="0"/>
-              </a:spcAft>
-              <a:defRPr sz="3500">
-                <a:solidFill>
-                  <a:schemeClr val="tx1"/>
-                </a:solidFill>
-                <a:latin typeface="Arial" panose="020B0604020202020204" pitchFamily="34" charset="0"/>
-              </a:defRPr>
-            </a:lvl9pPr>
-          </a:lstStyle>
-          <a:p>
-            <a:pPr eaLnBrk="1" hangingPunct="1">
-              <a:defRPr/>
-            </a:pPr>
-            <a:endParaRPr lang="en-US" altLang="en-US" sz="2625"/>
+            <a:endParaRPr lang="en-US" altLang="en-US" sz="3150" b="1" dirty="0">
+              <a:solidFill>
+                <a:schemeClr val="bg1"/>
+              </a:solidFill>
+              <a:latin typeface="Times New Roman" panose="02020603050405020304" pitchFamily="18" charset="0"/>
+              <a:cs typeface="Times New Roman" panose="02020603050405020304" pitchFamily="18" charset="0"/>
+            </a:endParaRPr>
           </a:p>
         </p:txBody>
       </p:sp>
@@ -3969,8 +3941,8 @@
         </p:nvSpPr>
         <p:spPr bwMode="auto">
           <a:xfrm>
-            <a:off x="14925675" y="5946775"/>
-            <a:ext cx="13970000" cy="5978525"/>
+            <a:off x="13571269" y="6269093"/>
+            <a:ext cx="9670475" cy="3506730"/>
           </a:xfrm>
           <a:prstGeom prst="rect">
             <a:avLst/>
@@ -4000,7 +3972,7 @@
           </a:extLst>
         </p:spPr>
         <p:txBody>
-          <a:bodyPr lIns="120015" tIns="60008" rIns="120015" bIns="60008">
+          <a:bodyPr wrap="square" lIns="120015" tIns="60008" rIns="120015" bIns="60008">
             <a:spAutoFit/>
           </a:bodyPr>
           <a:lstStyle>
@@ -4109,89 +4081,12 @@
               <a:defRPr/>
             </a:pPr>
             <a:r>
-              <a:rPr lang="en-US" altLang="en-US" sz="2625" dirty="0"/>
-              <a:t>Insert your own text here.</a:t>
-            </a:r>
-          </a:p>
-          <a:p>
-            <a:pPr eaLnBrk="1" hangingPunct="1">
-              <a:spcBef>
-                <a:spcPct val="50000"/>
-              </a:spcBef>
-              <a:defRPr/>
-            </a:pPr>
-            <a:endParaRPr lang="en-US" altLang="en-US" sz="2625" dirty="0"/>
-          </a:p>
-          <a:p>
-            <a:pPr eaLnBrk="1" hangingPunct="1">
-              <a:spcBef>
-                <a:spcPct val="50000"/>
-              </a:spcBef>
-              <a:defRPr/>
-            </a:pPr>
-            <a:endParaRPr lang="en-US" altLang="en-US" sz="2625" dirty="0"/>
-          </a:p>
-          <a:p>
-            <a:pPr eaLnBrk="1" hangingPunct="1">
-              <a:spcBef>
-                <a:spcPct val="50000"/>
-              </a:spcBef>
-              <a:defRPr/>
-            </a:pPr>
-            <a:endParaRPr lang="en-US" altLang="en-US" sz="2625" dirty="0"/>
-          </a:p>
-          <a:p>
-            <a:pPr eaLnBrk="1" hangingPunct="1">
-              <a:spcBef>
-                <a:spcPct val="50000"/>
-              </a:spcBef>
-              <a:defRPr/>
-            </a:pPr>
-            <a:endParaRPr lang="en-US" altLang="en-US" sz="2625" dirty="0"/>
-          </a:p>
-          <a:p>
-            <a:pPr eaLnBrk="1" hangingPunct="1">
-              <a:spcBef>
-                <a:spcPct val="50000"/>
-              </a:spcBef>
-              <a:defRPr/>
-            </a:pPr>
-            <a:endParaRPr lang="en-US" altLang="en-US" sz="2625" dirty="0"/>
-          </a:p>
-          <a:p>
-            <a:pPr eaLnBrk="1" hangingPunct="1">
-              <a:spcBef>
-                <a:spcPct val="50000"/>
-              </a:spcBef>
-              <a:defRPr/>
-            </a:pPr>
-            <a:endParaRPr lang="en-US" altLang="en-US" sz="2625" dirty="0"/>
-          </a:p>
-          <a:p>
-            <a:pPr eaLnBrk="1" hangingPunct="1">
-              <a:spcBef>
-                <a:spcPct val="50000"/>
-              </a:spcBef>
-              <a:defRPr/>
-            </a:pPr>
-            <a:endParaRPr lang="en-US" altLang="en-US" sz="2625" dirty="0"/>
-          </a:p>
-          <a:p>
-            <a:pPr eaLnBrk="1" hangingPunct="1">
-              <a:spcBef>
-                <a:spcPct val="50000"/>
-              </a:spcBef>
-              <a:defRPr/>
-            </a:pPr>
-            <a:endParaRPr lang="en-US" altLang="en-US" sz="2625" dirty="0"/>
-          </a:p>
-          <a:p>
-            <a:pPr eaLnBrk="1" hangingPunct="1">
-              <a:spcBef>
-                <a:spcPct val="50000"/>
-              </a:spcBef>
-              <a:defRPr/>
-            </a:pPr>
+              <a:rPr lang="en-US" altLang="en-US" sz="4400" dirty="0">
+                <a:latin typeface="Times New Roman" panose="02020603050405020304" pitchFamily="18" charset="0"/>
+                <a:cs typeface="Times New Roman" panose="02020603050405020304" pitchFamily="18" charset="0"/>
+              </a:rPr>
+              <a:t>We modeled the performance of a pitch on the change in out probability. That value difference is calculated from a 3-year rolling average of out probability based on the state of the count.</a:t>
+            </a:r>
             <a:endParaRPr lang="en-US" altLang="en-US" sz="2625" dirty="0"/>
           </a:p>
         </p:txBody>
@@ -4206,8 +4101,8 @@
         </p:nvSpPr>
         <p:spPr bwMode="auto">
           <a:xfrm>
-            <a:off x="14925675" y="4618038"/>
-            <a:ext cx="13970000" cy="823912"/>
+            <a:off x="13592672" y="4618038"/>
+            <a:ext cx="16705856" cy="823912"/>
           </a:xfrm>
           <a:prstGeom prst="rect">
             <a:avLst/>
@@ -4357,17 +4252,21 @@
               <a:buNone/>
             </a:pPr>
             <a:r>
-              <a:rPr lang="en-US" altLang="en-US" sz="4800" b="1">
+              <a:rPr lang="en-US" altLang="en-US" sz="5400" b="1" dirty="0">
                 <a:solidFill>
                   <a:schemeClr val="bg1"/>
                 </a:solidFill>
+                <a:latin typeface="Times New Roman" panose="02020603050405020304" pitchFamily="18" charset="0"/>
+                <a:cs typeface="Times New Roman" panose="02020603050405020304" pitchFamily="18" charset="0"/>
               </a:rPr>
               <a:t>Methods</a:t>
             </a:r>
-            <a:endParaRPr lang="en-US" altLang="en-US" sz="1800" b="1">
+            <a:endParaRPr lang="en-US" altLang="en-US" sz="1800" b="1" dirty="0">
               <a:solidFill>
                 <a:schemeClr val="bg1"/>
               </a:solidFill>
+              <a:latin typeface="Times New Roman" panose="02020603050405020304" pitchFamily="18" charset="0"/>
+              <a:cs typeface="Times New Roman" panose="02020603050405020304" pitchFamily="18" charset="0"/>
             </a:endParaRPr>
           </a:p>
         </p:txBody>
@@ -4382,8 +4281,8 @@
         </p:nvSpPr>
         <p:spPr bwMode="auto">
           <a:xfrm>
-            <a:off x="14925675" y="15760700"/>
-            <a:ext cx="13970000" cy="823912"/>
+            <a:off x="13591878" y="14910594"/>
+            <a:ext cx="16705856" cy="1006475"/>
           </a:xfrm>
           <a:prstGeom prst="rect">
             <a:avLst/>
@@ -4533,17 +4432,21 @@
               <a:buNone/>
             </a:pPr>
             <a:r>
-              <a:rPr lang="en-US" altLang="en-US" sz="4800" b="1">
+              <a:rPr lang="en-US" altLang="en-US" sz="5400" b="1" dirty="0">
                 <a:solidFill>
                   <a:schemeClr val="bg1"/>
                 </a:solidFill>
+                <a:latin typeface="Times New Roman" panose="02020603050405020304" pitchFamily="18" charset="0"/>
+                <a:cs typeface="Times New Roman" panose="02020603050405020304" pitchFamily="18" charset="0"/>
               </a:rPr>
               <a:t>Results</a:t>
             </a:r>
-            <a:endParaRPr lang="en-US" altLang="en-US" sz="1800" b="1">
+            <a:endParaRPr lang="en-US" altLang="en-US" sz="1800" b="1" dirty="0">
               <a:solidFill>
                 <a:schemeClr val="bg1"/>
               </a:solidFill>
+              <a:latin typeface="Times New Roman" panose="02020603050405020304" pitchFamily="18" charset="0"/>
+              <a:cs typeface="Times New Roman" panose="02020603050405020304" pitchFamily="18" charset="0"/>
             </a:endParaRPr>
           </a:p>
         </p:txBody>
@@ -4558,8 +4461,8 @@
         </p:nvSpPr>
         <p:spPr bwMode="auto">
           <a:xfrm>
-            <a:off x="14959806" y="17337088"/>
-            <a:ext cx="13970000" cy="5978525"/>
+            <a:off x="15205498" y="28700560"/>
+            <a:ext cx="13478616" cy="4420442"/>
           </a:xfrm>
           <a:prstGeom prst="rect">
             <a:avLst/>
@@ -4589,7 +4492,7 @@
           </a:extLst>
         </p:spPr>
         <p:txBody>
-          <a:bodyPr lIns="120015" tIns="60008" rIns="120015" bIns="60008">
+          <a:bodyPr wrap="square" lIns="120015" tIns="60008" rIns="120015" bIns="60008">
             <a:spAutoFit/>
           </a:bodyPr>
           <a:lstStyle>
@@ -4691,87 +4594,19 @@
             </a:lvl9pPr>
           </a:lstStyle>
           <a:p>
-            <a:pPr eaLnBrk="1" hangingPunct="1">
+            <a:pPr algn="ctr" eaLnBrk="1" hangingPunct="1">
               <a:spcBef>
                 <a:spcPct val="50000"/>
               </a:spcBef>
               <a:defRPr/>
             </a:pPr>
             <a:r>
-              <a:rPr lang="en-US" altLang="en-US" sz="2625" dirty="0"/>
-              <a:t>Insert your own text here.</a:t>
-            </a:r>
-          </a:p>
-          <a:p>
-            <a:pPr eaLnBrk="1" hangingPunct="1">
-              <a:spcBef>
-                <a:spcPct val="50000"/>
-              </a:spcBef>
-              <a:defRPr/>
-            </a:pPr>
-            <a:endParaRPr lang="en-US" altLang="en-US" sz="2625" dirty="0"/>
-          </a:p>
-          <a:p>
-            <a:pPr eaLnBrk="1" hangingPunct="1">
-              <a:spcBef>
-                <a:spcPct val="50000"/>
-              </a:spcBef>
-              <a:defRPr/>
-            </a:pPr>
-            <a:endParaRPr lang="en-US" altLang="en-US" sz="2625" dirty="0"/>
-          </a:p>
-          <a:p>
-            <a:pPr eaLnBrk="1" hangingPunct="1">
-              <a:spcBef>
-                <a:spcPct val="50000"/>
-              </a:spcBef>
-              <a:defRPr/>
-            </a:pPr>
-            <a:endParaRPr lang="en-US" altLang="en-US" sz="2625" dirty="0"/>
-          </a:p>
-          <a:p>
-            <a:pPr eaLnBrk="1" hangingPunct="1">
-              <a:spcBef>
-                <a:spcPct val="50000"/>
-              </a:spcBef>
-              <a:defRPr/>
-            </a:pPr>
-            <a:endParaRPr lang="en-US" altLang="en-US" sz="2625" dirty="0"/>
-          </a:p>
-          <a:p>
-            <a:pPr eaLnBrk="1" hangingPunct="1">
-              <a:spcBef>
-                <a:spcPct val="50000"/>
-              </a:spcBef>
-              <a:defRPr/>
-            </a:pPr>
-            <a:endParaRPr lang="en-US" altLang="en-US" sz="2625" dirty="0"/>
-          </a:p>
-          <a:p>
-            <a:pPr eaLnBrk="1" hangingPunct="1">
-              <a:spcBef>
-                <a:spcPct val="50000"/>
-              </a:spcBef>
-              <a:defRPr/>
-            </a:pPr>
-            <a:endParaRPr lang="en-US" altLang="en-US" sz="2625" dirty="0"/>
-          </a:p>
-          <a:p>
-            <a:pPr eaLnBrk="1" hangingPunct="1">
-              <a:spcBef>
-                <a:spcPct val="50000"/>
-              </a:spcBef>
-              <a:defRPr/>
-            </a:pPr>
-            <a:endParaRPr lang="en-US" altLang="en-US" sz="2625" dirty="0"/>
-          </a:p>
-          <a:p>
-            <a:pPr eaLnBrk="1" hangingPunct="1">
-              <a:spcBef>
-                <a:spcPct val="50000"/>
-              </a:spcBef>
-              <a:defRPr/>
-            </a:pPr>
+              <a:rPr lang="en-US" altLang="en-US" sz="4000" dirty="0">
+                <a:latin typeface="Times New Roman" panose="02020603050405020304" pitchFamily="18" charset="0"/>
+                <a:cs typeface="Times New Roman" panose="02020603050405020304" pitchFamily="18" charset="0"/>
+              </a:rPr>
+              <a:t>For RHP, the best combination was Fastball 1 setting up Cutter 3. In 2023, Jack Flaherty threw that combination the most.  For LHP, the best combination was two different sliders: Slider 4 setting up Slider 5. The primary user of that combination in 2023 was Sean Manaea. While both of those guys had poor 2023 seasons, their 2024 seasons have been much more favorable.</a:t>
+            </a:r>
             <a:endParaRPr lang="en-US" altLang="en-US" sz="2625" dirty="0"/>
           </a:p>
           <a:p>
@@ -4796,7 +4631,7 @@
         <p:spPr bwMode="auto">
           <a:xfrm>
             <a:off x="346075" y="5946775"/>
-            <a:ext cx="13970000" cy="5978525"/>
+            <a:ext cx="12452353" cy="7507826"/>
           </a:xfrm>
           <a:prstGeom prst="rect">
             <a:avLst/>
@@ -4826,7 +4661,7 @@
           </a:extLst>
         </p:spPr>
         <p:txBody>
-          <a:bodyPr lIns="120015" tIns="60008" rIns="120015" bIns="60008">
+          <a:bodyPr wrap="square" lIns="120015" tIns="60008" rIns="120015" bIns="60008">
             <a:spAutoFit/>
           </a:bodyPr>
           <a:lstStyle>
@@ -4935,8 +4770,25 @@
               <a:defRPr/>
             </a:pPr>
             <a:r>
-              <a:rPr lang="en-US" altLang="en-US" sz="2625" dirty="0"/>
-              <a:t>Insert your own text here. You can change your font size to fit your own data. </a:t>
+              <a:rPr lang="en-US" altLang="en-US" sz="4000" dirty="0">
+                <a:latin typeface="Times New Roman" panose="02020603050405020304" pitchFamily="18" charset="0"/>
+                <a:cs typeface="Times New Roman" panose="02020603050405020304" pitchFamily="18" charset="0"/>
+              </a:rPr>
+              <a:t>Before a hitter swings at the ball and even before the pitcher releases it toward the plate, a crucial decision has already been made: the type of pitch to be thrown. In this study, we analyze </a:t>
+            </a:r>
+            <a:r>
+              <a:rPr lang="en-US" altLang="en-US" sz="4000" dirty="0" err="1">
+                <a:latin typeface="Times New Roman" panose="02020603050405020304" pitchFamily="18" charset="0"/>
+                <a:cs typeface="Times New Roman" panose="02020603050405020304" pitchFamily="18" charset="0"/>
+              </a:rPr>
+              <a:t>Statcast</a:t>
+            </a:r>
+            <a:r>
+              <a:rPr lang="en-US" altLang="en-US" sz="4000" dirty="0">
+                <a:latin typeface="Times New Roman" panose="02020603050405020304" pitchFamily="18" charset="0"/>
+                <a:cs typeface="Times New Roman" panose="02020603050405020304" pitchFamily="18" charset="0"/>
+              </a:rPr>
+              <a:t> data from all pitches thrown by MLB staters in in 2023 to determine which combinations of pitch types are most effective at getting batters out. </a:t>
             </a:r>
           </a:p>
           <a:p>
@@ -4946,7 +4798,13 @@
               </a:spcBef>
               <a:defRPr/>
             </a:pPr>
-            <a:endParaRPr lang="en-US" altLang="en-US" sz="2625" dirty="0"/>
+            <a:r>
+              <a:rPr lang="en-US" altLang="en-US" sz="4000" dirty="0">
+                <a:latin typeface="Times New Roman" panose="02020603050405020304" pitchFamily="18" charset="0"/>
+                <a:cs typeface="Times New Roman" panose="02020603050405020304" pitchFamily="18" charset="0"/>
+              </a:rPr>
+              <a:t>By focusing on clusters within pitch types rather than individual pitches, we aim to uncover better insights into league-wide characteristics of each type of pitch. </a:t>
+            </a:r>
           </a:p>
           <a:p>
             <a:pPr eaLnBrk="1" hangingPunct="1">
@@ -4955,70 +4813,53 @@
               </a:spcBef>
               <a:defRPr/>
             </a:pPr>
-            <a:endParaRPr lang="en-US" altLang="en-US" sz="2625" dirty="0"/>
-          </a:p>
-          <a:p>
-            <a:pPr eaLnBrk="1" hangingPunct="1">
-              <a:spcBef>
-                <a:spcPct val="50000"/>
-              </a:spcBef>
-              <a:defRPr/>
-            </a:pPr>
-            <a:endParaRPr lang="en-US" altLang="en-US" sz="2625" dirty="0"/>
-          </a:p>
-          <a:p>
-            <a:pPr eaLnBrk="1" hangingPunct="1">
-              <a:spcBef>
-                <a:spcPct val="50000"/>
-              </a:spcBef>
-              <a:defRPr/>
-            </a:pPr>
-            <a:endParaRPr lang="en-US" altLang="en-US" sz="2625" dirty="0"/>
-          </a:p>
-          <a:p>
-            <a:pPr eaLnBrk="1" hangingPunct="1">
-              <a:spcBef>
-                <a:spcPct val="50000"/>
-              </a:spcBef>
-              <a:defRPr/>
-            </a:pPr>
-            <a:endParaRPr lang="en-US" altLang="en-US" sz="2625" dirty="0"/>
-          </a:p>
-          <a:p>
-            <a:pPr eaLnBrk="1" hangingPunct="1">
-              <a:spcBef>
-                <a:spcPct val="50000"/>
-              </a:spcBef>
-              <a:defRPr/>
-            </a:pPr>
-            <a:endParaRPr lang="en-US" altLang="en-US" sz="2625" dirty="0"/>
-          </a:p>
-          <a:p>
-            <a:pPr eaLnBrk="1" hangingPunct="1">
-              <a:spcBef>
-                <a:spcPct val="50000"/>
-              </a:spcBef>
-              <a:defRPr/>
-            </a:pPr>
-            <a:endParaRPr lang="en-US" altLang="en-US" sz="2625" dirty="0"/>
-          </a:p>
-          <a:p>
-            <a:pPr eaLnBrk="1" hangingPunct="1">
-              <a:spcBef>
-                <a:spcPct val="50000"/>
-              </a:spcBef>
-              <a:defRPr/>
-            </a:pPr>
-            <a:endParaRPr lang="en-US" altLang="en-US" sz="2625" dirty="0"/>
-          </a:p>
-          <a:p>
-            <a:pPr eaLnBrk="1" hangingPunct="1">
-              <a:spcBef>
-                <a:spcPct val="50000"/>
-              </a:spcBef>
-              <a:defRPr/>
-            </a:pPr>
-            <a:endParaRPr lang="en-US" altLang="en-US" sz="2625" dirty="0"/>
+            <a:r>
+              <a:rPr lang="en-US" altLang="en-US" sz="4000" dirty="0" err="1">
+                <a:latin typeface="Times New Roman" panose="02020603050405020304" pitchFamily="18" charset="0"/>
+                <a:cs typeface="Times New Roman" panose="02020603050405020304" pitchFamily="18" charset="0"/>
+              </a:rPr>
+              <a:t>Statcast</a:t>
+            </a:r>
+            <a:r>
+              <a:rPr lang="en-US" altLang="en-US" sz="4000" dirty="0">
+                <a:latin typeface="Times New Roman" panose="02020603050405020304" pitchFamily="18" charset="0"/>
+                <a:cs typeface="Times New Roman" panose="02020603050405020304" pitchFamily="18" charset="0"/>
+              </a:rPr>
+              <a:t> data can be accessed via the </a:t>
+            </a:r>
+            <a:r>
+              <a:rPr lang="en-US" altLang="en-US" sz="4000" dirty="0" err="1">
+                <a:latin typeface="Times New Roman" panose="02020603050405020304" pitchFamily="18" charset="0"/>
+                <a:cs typeface="Times New Roman" panose="02020603050405020304" pitchFamily="18" charset="0"/>
+              </a:rPr>
+              <a:t>baseballr</a:t>
+            </a:r>
+            <a:r>
+              <a:rPr lang="en-US" altLang="en-US" sz="4000" dirty="0">
+                <a:latin typeface="Times New Roman" panose="02020603050405020304" pitchFamily="18" charset="0"/>
+                <a:cs typeface="Times New Roman" panose="02020603050405020304" pitchFamily="18" charset="0"/>
+              </a:rPr>
+              <a:t> package, which can be found at </a:t>
+            </a:r>
+            <a:r>
+              <a:rPr lang="en-US" altLang="en-US" sz="4000" dirty="0">
+                <a:latin typeface="Times New Roman" panose="02020603050405020304" pitchFamily="18" charset="0"/>
+                <a:cs typeface="Times New Roman" panose="02020603050405020304" pitchFamily="18" charset="0"/>
+                <a:hlinkClick r:id="rId6"/>
+              </a:rPr>
+              <a:t>https://billpetti.github.io/baseballr/</a:t>
+            </a:r>
+            <a:r>
+              <a:rPr lang="en-US" altLang="en-US" sz="4000" dirty="0">
+                <a:latin typeface="Times New Roman" panose="02020603050405020304" pitchFamily="18" charset="0"/>
+                <a:cs typeface="Times New Roman" panose="02020603050405020304" pitchFamily="18" charset="0"/>
+              </a:rPr>
+              <a:t>.</a:t>
+            </a:r>
+            <a:endParaRPr lang="en-US" altLang="en-US" sz="2800" dirty="0">
+              <a:latin typeface="Times New Roman" panose="02020603050405020304" pitchFamily="18" charset="0"/>
+              <a:cs typeface="Times New Roman" panose="02020603050405020304" pitchFamily="18" charset="0"/>
+            </a:endParaRPr>
           </a:p>
         </p:txBody>
       </p:sp>
@@ -5033,7 +4874,7 @@
         <p:spPr bwMode="auto">
           <a:xfrm>
             <a:off x="346075" y="4618038"/>
-            <a:ext cx="13970000" cy="823912"/>
+            <a:ext cx="12382501" cy="823912"/>
           </a:xfrm>
           <a:prstGeom prst="rect">
             <a:avLst/>
@@ -5183,17 +5024,21 @@
               <a:buNone/>
             </a:pPr>
             <a:r>
-              <a:rPr lang="en-US" altLang="en-US" sz="4800" b="1" dirty="0">
+              <a:rPr lang="en-US" altLang="en-US" sz="5400" b="1" dirty="0">
                 <a:solidFill>
                   <a:schemeClr val="bg1"/>
                 </a:solidFill>
+                <a:latin typeface="Times New Roman" panose="02020603050405020304" pitchFamily="18" charset="0"/>
+                <a:cs typeface="Times New Roman" panose="02020603050405020304" pitchFamily="18" charset="0"/>
               </a:rPr>
               <a:t>Background</a:t>
             </a:r>
-            <a:endParaRPr lang="en-US" altLang="en-US" sz="1800" b="1" dirty="0">
+            <a:endParaRPr lang="en-US" altLang="en-US" sz="1600" b="1" dirty="0">
               <a:solidFill>
                 <a:schemeClr val="bg1"/>
               </a:solidFill>
+              <a:latin typeface="Times New Roman" panose="02020603050405020304" pitchFamily="18" charset="0"/>
+              <a:cs typeface="Times New Roman" panose="02020603050405020304" pitchFamily="18" charset="0"/>
             </a:endParaRPr>
           </a:p>
         </p:txBody>
@@ -5208,8 +5053,8 @@
         </p:nvSpPr>
         <p:spPr bwMode="auto">
           <a:xfrm>
-            <a:off x="346075" y="18187988"/>
-            <a:ext cx="13970000" cy="823912"/>
+            <a:off x="346073" y="16891248"/>
+            <a:ext cx="12382501" cy="823912"/>
           </a:xfrm>
           <a:prstGeom prst="rect">
             <a:avLst/>
@@ -5359,17 +5204,21 @@
               <a:buNone/>
             </a:pPr>
             <a:r>
-              <a:rPr lang="en-US" altLang="en-US" sz="4800" b="1">
+              <a:rPr lang="en-US" altLang="en-US" sz="5400" b="1" dirty="0">
                 <a:solidFill>
                   <a:schemeClr val="bg1"/>
                 </a:solidFill>
+                <a:latin typeface="Times New Roman" panose="02020603050405020304" pitchFamily="18" charset="0"/>
+                <a:cs typeface="Times New Roman" panose="02020603050405020304" pitchFamily="18" charset="0"/>
               </a:rPr>
-              <a:t>Objectives</a:t>
-            </a:r>
-            <a:endParaRPr lang="en-US" altLang="en-US" sz="1800" b="1">
+              <a:t>EDA</a:t>
+            </a:r>
+            <a:endParaRPr lang="en-US" altLang="en-US" sz="1800" b="1" dirty="0">
               <a:solidFill>
                 <a:schemeClr val="bg1"/>
               </a:solidFill>
+              <a:latin typeface="Times New Roman" panose="02020603050405020304" pitchFamily="18" charset="0"/>
+              <a:cs typeface="Times New Roman" panose="02020603050405020304" pitchFamily="18" charset="0"/>
             </a:endParaRPr>
           </a:p>
         </p:txBody>
@@ -5384,8 +5233,8 @@
         </p:nvSpPr>
         <p:spPr bwMode="auto">
           <a:xfrm>
-            <a:off x="346075" y="19411950"/>
-            <a:ext cx="13970000" cy="5978525"/>
+            <a:off x="378644" y="23550644"/>
+            <a:ext cx="12314239" cy="2583401"/>
           </a:xfrm>
           <a:prstGeom prst="rect">
             <a:avLst/>
@@ -5415,7 +5264,7 @@
           </a:extLst>
         </p:spPr>
         <p:txBody>
-          <a:bodyPr lIns="120015" tIns="60008" rIns="120015" bIns="60008">
+          <a:bodyPr wrap="square" lIns="120015" tIns="60008" rIns="120015" bIns="60008">
             <a:spAutoFit/>
           </a:bodyPr>
           <a:lstStyle>
@@ -5517,96 +5366,19 @@
             </a:lvl9pPr>
           </a:lstStyle>
           <a:p>
-            <a:pPr eaLnBrk="1" hangingPunct="1">
+            <a:pPr algn="ctr" eaLnBrk="1" hangingPunct="1">
               <a:spcBef>
                 <a:spcPct val="50000"/>
               </a:spcBef>
               <a:defRPr/>
             </a:pPr>
             <a:r>
-              <a:rPr lang="en-US" altLang="en-US" sz="2625" dirty="0"/>
-              <a:t>Insert your own text here. You can change your font size to fit your own data. </a:t>
-            </a:r>
-          </a:p>
-          <a:p>
-            <a:pPr eaLnBrk="1" hangingPunct="1">
-              <a:spcBef>
-                <a:spcPct val="50000"/>
-              </a:spcBef>
-              <a:defRPr/>
-            </a:pPr>
-            <a:endParaRPr lang="en-US" altLang="en-US" sz="2625" dirty="0"/>
-          </a:p>
-          <a:p>
-            <a:pPr eaLnBrk="1" hangingPunct="1">
-              <a:spcBef>
-                <a:spcPct val="50000"/>
-              </a:spcBef>
-              <a:defRPr/>
-            </a:pPr>
-            <a:endParaRPr lang="en-US" altLang="en-US" sz="2625" dirty="0"/>
-          </a:p>
-          <a:p>
-            <a:pPr eaLnBrk="1" hangingPunct="1">
-              <a:spcBef>
-                <a:spcPct val="50000"/>
-              </a:spcBef>
-              <a:defRPr/>
-            </a:pPr>
-            <a:endParaRPr lang="en-US" altLang="en-US" sz="2625" dirty="0"/>
-          </a:p>
-          <a:p>
-            <a:pPr eaLnBrk="1" hangingPunct="1">
-              <a:spcBef>
-                <a:spcPct val="50000"/>
-              </a:spcBef>
-              <a:defRPr/>
-            </a:pPr>
-            <a:endParaRPr lang="en-US" altLang="en-US" sz="2625" dirty="0"/>
-          </a:p>
-          <a:p>
-            <a:pPr eaLnBrk="1" hangingPunct="1">
-              <a:spcBef>
-                <a:spcPct val="50000"/>
-              </a:spcBef>
-              <a:defRPr/>
-            </a:pPr>
-            <a:endParaRPr lang="en-US" altLang="en-US" sz="2625" dirty="0"/>
-          </a:p>
-          <a:p>
-            <a:pPr eaLnBrk="1" hangingPunct="1">
-              <a:spcBef>
-                <a:spcPct val="50000"/>
-              </a:spcBef>
-              <a:defRPr/>
-            </a:pPr>
-            <a:endParaRPr lang="en-US" altLang="en-US" sz="2625" dirty="0"/>
-          </a:p>
-          <a:p>
-            <a:pPr eaLnBrk="1" hangingPunct="1">
-              <a:spcBef>
-                <a:spcPct val="50000"/>
-              </a:spcBef>
-              <a:defRPr/>
-            </a:pPr>
-            <a:endParaRPr lang="en-US" altLang="en-US" sz="2625" dirty="0"/>
-          </a:p>
-          <a:p>
-            <a:pPr eaLnBrk="1" hangingPunct="1">
-              <a:spcBef>
-                <a:spcPct val="50000"/>
-              </a:spcBef>
-              <a:defRPr/>
-            </a:pPr>
-            <a:endParaRPr lang="en-US" altLang="en-US" sz="2625" dirty="0"/>
-          </a:p>
-          <a:p>
-            <a:pPr eaLnBrk="1" hangingPunct="1">
-              <a:spcBef>
-                <a:spcPct val="50000"/>
-              </a:spcBef>
-              <a:defRPr/>
-            </a:pPr>
+              <a:rPr lang="en-US" altLang="en-US" sz="4000" dirty="0">
+                <a:latin typeface="Times New Roman" panose="02020603050405020304" pitchFamily="18" charset="0"/>
+                <a:cs typeface="Times New Roman" panose="02020603050405020304" pitchFamily="18" charset="0"/>
+              </a:rPr>
+              <a:t>Some pitches were not thrown enough to cluster, so we aggregated some of the primary types. Knuckle-Curve was added to Curveball, Splitter was added to Changeup, and Sweeper and Slurve into Slider.</a:t>
+            </a:r>
             <a:endParaRPr lang="en-US" altLang="en-US" sz="2625" dirty="0"/>
           </a:p>
         </p:txBody>
@@ -5621,8 +5393,8 @@
         </p:nvSpPr>
         <p:spPr bwMode="auto">
           <a:xfrm>
-            <a:off x="29506863" y="4618038"/>
-            <a:ext cx="13968412" cy="823912"/>
+            <a:off x="31092773" y="4618038"/>
+            <a:ext cx="12382501" cy="823912"/>
           </a:xfrm>
           <a:prstGeom prst="rect">
             <a:avLst/>
@@ -5772,10 +5544,12 @@
               <a:buNone/>
             </a:pPr>
             <a:r>
-              <a:rPr lang="en-US" altLang="en-US" sz="4800" b="1" dirty="0">
+              <a:rPr lang="en-US" altLang="en-US" sz="5400" b="1" dirty="0">
                 <a:solidFill>
                   <a:schemeClr val="bg1"/>
                 </a:solidFill>
+                <a:latin typeface="Times New Roman" panose="02020603050405020304" pitchFamily="18" charset="0"/>
+                <a:cs typeface="Times New Roman" panose="02020603050405020304" pitchFamily="18" charset="0"/>
               </a:rPr>
               <a:t>Clustering</a:t>
             </a:r>
@@ -5783,6 +5557,8 @@
               <a:solidFill>
                 <a:schemeClr val="bg1"/>
               </a:solidFill>
+              <a:latin typeface="Times New Roman" panose="02020603050405020304" pitchFamily="18" charset="0"/>
+              <a:cs typeface="Times New Roman" panose="02020603050405020304" pitchFamily="18" charset="0"/>
             </a:endParaRPr>
           </a:p>
         </p:txBody>
@@ -5797,8 +5573,8 @@
         </p:nvSpPr>
         <p:spPr bwMode="auto">
           <a:xfrm>
-            <a:off x="29506863" y="18187988"/>
-            <a:ext cx="13968412" cy="823912"/>
+            <a:off x="31092774" y="18186174"/>
+            <a:ext cx="12382501" cy="823912"/>
           </a:xfrm>
           <a:prstGeom prst="rect">
             <a:avLst/>
@@ -5948,10 +5724,12 @@
               <a:buNone/>
             </a:pPr>
             <a:r>
-              <a:rPr lang="en-US" altLang="en-US" sz="4800" b="1" dirty="0">
+              <a:rPr lang="en-US" altLang="en-US" sz="5400" b="1" dirty="0">
                 <a:solidFill>
                   <a:schemeClr val="bg1"/>
                 </a:solidFill>
+                <a:latin typeface="Times New Roman" panose="02020603050405020304" pitchFamily="18" charset="0"/>
+                <a:cs typeface="Times New Roman" panose="02020603050405020304" pitchFamily="18" charset="0"/>
               </a:rPr>
               <a:t>Discussions</a:t>
             </a:r>
@@ -5959,244 +5737,9 @@
               <a:solidFill>
                 <a:schemeClr val="bg1"/>
               </a:solidFill>
+              <a:latin typeface="Times New Roman" panose="02020603050405020304" pitchFamily="18" charset="0"/>
+              <a:cs typeface="Times New Roman" panose="02020603050405020304" pitchFamily="18" charset="0"/>
             </a:endParaRPr>
-          </a:p>
-        </p:txBody>
-      </p:sp>
-      <p:sp>
-        <p:nvSpPr>
-          <p:cNvPr id="21" name="Text Box 19"/>
-          <p:cNvSpPr txBox="1">
-            <a:spLocks noChangeArrowheads="1"/>
-          </p:cNvSpPr>
-          <p:nvPr/>
-        </p:nvSpPr>
-        <p:spPr bwMode="auto">
-          <a:xfrm>
-            <a:off x="29506863" y="5946775"/>
-            <a:ext cx="13968412" cy="5978525"/>
-          </a:xfrm>
-          <a:prstGeom prst="rect">
-            <a:avLst/>
-          </a:prstGeom>
-          <a:noFill/>
-          <a:ln>
-            <a:noFill/>
-          </a:ln>
-          <a:extLst>
-            <a:ext uri="{909E8E84-426E-40DD-AFC4-6F175D3DCCD1}">
-              <a14:hiddenFill xmlns:a14="http://schemas.microsoft.com/office/drawing/2010/main">
-                <a:solidFill>
-                  <a:srgbClr val="FFFFFF"/>
-                </a:solidFill>
-              </a14:hiddenFill>
-            </a:ext>
-            <a:ext uri="{91240B29-F687-4F45-9708-019B960494DF}">
-              <a14:hiddenLine xmlns:a14="http://schemas.microsoft.com/office/drawing/2010/main" w="9525">
-                <a:solidFill>
-                  <a:srgbClr val="000000"/>
-                </a:solidFill>
-                <a:miter lim="800000"/>
-                <a:headEnd/>
-                <a:tailEnd/>
-              </a14:hiddenLine>
-            </a:ext>
-          </a:extLst>
-        </p:spPr>
-        <p:txBody>
-          <a:bodyPr lIns="120015" tIns="60008" rIns="120015" bIns="60008">
-            <a:spAutoFit/>
-          </a:bodyPr>
-          <a:lstStyle>
-            <a:lvl1pPr defTabSz="4389438" eaLnBrk="0" hangingPunct="0">
-              <a:defRPr sz="3500">
-                <a:solidFill>
-                  <a:schemeClr val="tx1"/>
-                </a:solidFill>
-                <a:latin typeface="Arial" panose="020B0604020202020204" pitchFamily="34" charset="0"/>
-              </a:defRPr>
-            </a:lvl1pPr>
-            <a:lvl2pPr marL="742950" indent="-285750" defTabSz="4389438" eaLnBrk="0" hangingPunct="0">
-              <a:defRPr sz="3500">
-                <a:solidFill>
-                  <a:schemeClr val="tx1"/>
-                </a:solidFill>
-                <a:latin typeface="Arial" panose="020B0604020202020204" pitchFamily="34" charset="0"/>
-              </a:defRPr>
-            </a:lvl2pPr>
-            <a:lvl3pPr marL="1143000" indent="-228600" defTabSz="4389438" eaLnBrk="0" hangingPunct="0">
-              <a:defRPr sz="3500">
-                <a:solidFill>
-                  <a:schemeClr val="tx1"/>
-                </a:solidFill>
-                <a:latin typeface="Arial" panose="020B0604020202020204" pitchFamily="34" charset="0"/>
-              </a:defRPr>
-            </a:lvl3pPr>
-            <a:lvl4pPr marL="1600200" indent="-228600" defTabSz="4389438" eaLnBrk="0" hangingPunct="0">
-              <a:defRPr sz="3500">
-                <a:solidFill>
-                  <a:schemeClr val="tx1"/>
-                </a:solidFill>
-                <a:latin typeface="Arial" panose="020B0604020202020204" pitchFamily="34" charset="0"/>
-              </a:defRPr>
-            </a:lvl4pPr>
-            <a:lvl5pPr marL="2057400" indent="-228600" defTabSz="4389438" eaLnBrk="0" hangingPunct="0">
-              <a:defRPr sz="3500">
-                <a:solidFill>
-                  <a:schemeClr val="tx1"/>
-                </a:solidFill>
-                <a:latin typeface="Arial" panose="020B0604020202020204" pitchFamily="34" charset="0"/>
-              </a:defRPr>
-            </a:lvl5pPr>
-            <a:lvl6pPr marL="2514600" indent="-228600" defTabSz="4389438" eaLnBrk="0" fontAlgn="base" hangingPunct="0">
-              <a:spcBef>
-                <a:spcPct val="0"/>
-              </a:spcBef>
-              <a:spcAft>
-                <a:spcPct val="0"/>
-              </a:spcAft>
-              <a:defRPr sz="3500">
-                <a:solidFill>
-                  <a:schemeClr val="tx1"/>
-                </a:solidFill>
-                <a:latin typeface="Arial" panose="020B0604020202020204" pitchFamily="34" charset="0"/>
-              </a:defRPr>
-            </a:lvl6pPr>
-            <a:lvl7pPr marL="2971800" indent="-228600" defTabSz="4389438" eaLnBrk="0" fontAlgn="base" hangingPunct="0">
-              <a:spcBef>
-                <a:spcPct val="0"/>
-              </a:spcBef>
-              <a:spcAft>
-                <a:spcPct val="0"/>
-              </a:spcAft>
-              <a:defRPr sz="3500">
-                <a:solidFill>
-                  <a:schemeClr val="tx1"/>
-                </a:solidFill>
-                <a:latin typeface="Arial" panose="020B0604020202020204" pitchFamily="34" charset="0"/>
-              </a:defRPr>
-            </a:lvl7pPr>
-            <a:lvl8pPr marL="3429000" indent="-228600" defTabSz="4389438" eaLnBrk="0" fontAlgn="base" hangingPunct="0">
-              <a:spcBef>
-                <a:spcPct val="0"/>
-              </a:spcBef>
-              <a:spcAft>
-                <a:spcPct val="0"/>
-              </a:spcAft>
-              <a:defRPr sz="3500">
-                <a:solidFill>
-                  <a:schemeClr val="tx1"/>
-                </a:solidFill>
-                <a:latin typeface="Arial" panose="020B0604020202020204" pitchFamily="34" charset="0"/>
-              </a:defRPr>
-            </a:lvl8pPr>
-            <a:lvl9pPr marL="3886200" indent="-228600" defTabSz="4389438" eaLnBrk="0" fontAlgn="base" hangingPunct="0">
-              <a:spcBef>
-                <a:spcPct val="0"/>
-              </a:spcBef>
-              <a:spcAft>
-                <a:spcPct val="0"/>
-              </a:spcAft>
-              <a:defRPr sz="3500">
-                <a:solidFill>
-                  <a:schemeClr val="tx1"/>
-                </a:solidFill>
-                <a:latin typeface="Arial" panose="020B0604020202020204" pitchFamily="34" charset="0"/>
-              </a:defRPr>
-            </a:lvl9pPr>
-          </a:lstStyle>
-          <a:p>
-            <a:pPr eaLnBrk="1" hangingPunct="1">
-              <a:spcBef>
-                <a:spcPct val="50000"/>
-              </a:spcBef>
-              <a:defRPr/>
-            </a:pPr>
-            <a:r>
-              <a:rPr lang="en-US" altLang="en-US" sz="2625" dirty="0"/>
-              <a:t>Insert your own text here.</a:t>
-            </a:r>
-          </a:p>
-          <a:p>
-            <a:pPr eaLnBrk="1" hangingPunct="1">
-              <a:spcBef>
-                <a:spcPct val="50000"/>
-              </a:spcBef>
-              <a:defRPr/>
-            </a:pPr>
-            <a:endParaRPr lang="en-US" altLang="en-US" sz="2625" dirty="0"/>
-          </a:p>
-          <a:p>
-            <a:pPr eaLnBrk="1" hangingPunct="1">
-              <a:spcBef>
-                <a:spcPct val="50000"/>
-              </a:spcBef>
-              <a:defRPr/>
-            </a:pPr>
-            <a:endParaRPr lang="en-US" altLang="en-US" sz="2625" dirty="0"/>
-          </a:p>
-          <a:p>
-            <a:pPr eaLnBrk="1" hangingPunct="1">
-              <a:spcBef>
-                <a:spcPct val="50000"/>
-              </a:spcBef>
-              <a:defRPr/>
-            </a:pPr>
-            <a:endParaRPr lang="en-US" altLang="en-US" sz="2625" dirty="0"/>
-          </a:p>
-          <a:p>
-            <a:pPr eaLnBrk="1" hangingPunct="1">
-              <a:spcBef>
-                <a:spcPct val="50000"/>
-              </a:spcBef>
-              <a:defRPr/>
-            </a:pPr>
-            <a:endParaRPr lang="en-US" altLang="en-US" sz="2625" dirty="0"/>
-          </a:p>
-          <a:p>
-            <a:pPr eaLnBrk="1" hangingPunct="1">
-              <a:spcBef>
-                <a:spcPct val="50000"/>
-              </a:spcBef>
-              <a:defRPr/>
-            </a:pPr>
-            <a:endParaRPr lang="en-US" altLang="en-US" sz="2625" dirty="0"/>
-          </a:p>
-          <a:p>
-            <a:pPr eaLnBrk="1" hangingPunct="1">
-              <a:spcBef>
-                <a:spcPct val="50000"/>
-              </a:spcBef>
-              <a:defRPr/>
-            </a:pPr>
-            <a:endParaRPr lang="en-US" altLang="en-US" sz="2625" dirty="0"/>
-          </a:p>
-          <a:p>
-            <a:pPr eaLnBrk="1" hangingPunct="1">
-              <a:spcBef>
-                <a:spcPct val="50000"/>
-              </a:spcBef>
-              <a:defRPr/>
-            </a:pPr>
-            <a:endParaRPr lang="en-US" altLang="en-US" sz="2625" dirty="0"/>
-          </a:p>
-          <a:p>
-            <a:pPr eaLnBrk="1" hangingPunct="1">
-              <a:spcBef>
-                <a:spcPct val="50000"/>
-              </a:spcBef>
-              <a:defRPr/>
-            </a:pPr>
-            <a:endParaRPr lang="en-US" altLang="en-US" sz="2625" dirty="0"/>
-          </a:p>
-          <a:p>
-            <a:pPr eaLnBrk="1" hangingPunct="1">
-              <a:spcBef>
-                <a:spcPct val="50000"/>
-              </a:spcBef>
-              <a:defRPr/>
-            </a:pPr>
-            <a:endParaRPr lang="en-US" altLang="en-US" sz="2625" dirty="0"/>
           </a:p>
         </p:txBody>
       </p:sp>
@@ -6210,8 +5753,8 @@
         </p:nvSpPr>
         <p:spPr bwMode="auto">
           <a:xfrm>
-            <a:off x="29506863" y="19411950"/>
-            <a:ext cx="13968412" cy="5978525"/>
+            <a:off x="31090806" y="19589619"/>
+            <a:ext cx="10873017" cy="5858336"/>
           </a:xfrm>
           <a:prstGeom prst="rect">
             <a:avLst/>
@@ -6241,7 +5784,7 @@
           </a:extLst>
         </p:spPr>
         <p:txBody>
-          <a:bodyPr lIns="120015" tIns="60008" rIns="120015" bIns="60008">
+          <a:bodyPr wrap="square" lIns="120015" tIns="60008" rIns="120015" bIns="60008">
             <a:spAutoFit/>
           </a:bodyPr>
           <a:lstStyle>
@@ -6343,97 +5886,108 @@
             </a:lvl9pPr>
           </a:lstStyle>
           <a:p>
-            <a:pPr eaLnBrk="1" hangingPunct="1">
+            <a:pPr marL="571500" indent="-571500" eaLnBrk="1" hangingPunct="1">
+              <a:lnSpc>
+                <a:spcPct val="150000"/>
+              </a:lnSpc>
               <a:spcBef>
                 <a:spcPct val="50000"/>
               </a:spcBef>
+              <a:buFont typeface="Wingdings" panose="05000000000000000000" pitchFamily="2" charset="2"/>
+              <a:buChar char="q"/>
               <a:defRPr/>
             </a:pPr>
             <a:r>
-              <a:rPr lang="en-US" altLang="en-US" sz="2625" dirty="0"/>
-              <a:t>Insert your own text here.</a:t>
-            </a:r>
-          </a:p>
-          <a:p>
-            <a:pPr eaLnBrk="1" hangingPunct="1">
+              <a:rPr lang="en-US" altLang="en-US" sz="4000" dirty="0">
+                <a:latin typeface="Times New Roman" panose="02020603050405020304" pitchFamily="18" charset="0"/>
+                <a:cs typeface="Times New Roman" panose="02020603050405020304" pitchFamily="18" charset="0"/>
+              </a:rPr>
+              <a:t>Classification of pitcher subtype decision</a:t>
+            </a:r>
+          </a:p>
+          <a:p>
+            <a:pPr marL="571500" indent="-571500" eaLnBrk="1" hangingPunct="1">
+              <a:lnSpc>
+                <a:spcPct val="150000"/>
+              </a:lnSpc>
               <a:spcBef>
                 <a:spcPct val="50000"/>
               </a:spcBef>
+              <a:buFont typeface="Wingdings" panose="05000000000000000000" pitchFamily="2" charset="2"/>
+              <a:buChar char="q"/>
               <a:defRPr/>
             </a:pPr>
-            <a:endParaRPr lang="en-US" altLang="en-US" sz="2625" dirty="0"/>
-          </a:p>
-          <a:p>
-            <a:pPr eaLnBrk="1" hangingPunct="1">
+            <a:r>
+              <a:rPr lang="en-US" altLang="en-US" sz="4000" dirty="0">
+                <a:latin typeface="Times New Roman" panose="02020603050405020304" pitchFamily="18" charset="0"/>
+                <a:cs typeface="Times New Roman" panose="02020603050405020304" pitchFamily="18" charset="0"/>
+              </a:rPr>
+              <a:t>Changing the clustering criteria</a:t>
+            </a:r>
+          </a:p>
+          <a:p>
+            <a:pPr marL="571500" indent="-571500" eaLnBrk="1" hangingPunct="1">
+              <a:lnSpc>
+                <a:spcPct val="150000"/>
+              </a:lnSpc>
               <a:spcBef>
                 <a:spcPct val="50000"/>
               </a:spcBef>
+              <a:buFont typeface="Wingdings" panose="05000000000000000000" pitchFamily="2" charset="2"/>
+              <a:buChar char="q"/>
               <a:defRPr/>
             </a:pPr>
-            <a:endParaRPr lang="en-US" altLang="en-US" sz="2625" dirty="0"/>
-          </a:p>
-          <a:p>
-            <a:pPr eaLnBrk="1" hangingPunct="1">
+            <a:r>
+              <a:rPr lang="en-US" altLang="en-US" sz="4000" dirty="0">
+                <a:latin typeface="Times New Roman" panose="02020603050405020304" pitchFamily="18" charset="0"/>
+                <a:cs typeface="Times New Roman" panose="02020603050405020304" pitchFamily="18" charset="0"/>
+              </a:rPr>
+              <a:t>Different clustering techniques</a:t>
+            </a:r>
+          </a:p>
+          <a:p>
+            <a:pPr marL="571500" indent="-571500" eaLnBrk="1" hangingPunct="1">
+              <a:lnSpc>
+                <a:spcPct val="150000"/>
+              </a:lnSpc>
               <a:spcBef>
                 <a:spcPct val="50000"/>
               </a:spcBef>
+              <a:buFont typeface="Wingdings" panose="05000000000000000000" pitchFamily="2" charset="2"/>
+              <a:buChar char="q"/>
               <a:defRPr/>
             </a:pPr>
-            <a:endParaRPr lang="en-US" altLang="en-US" sz="2625" dirty="0"/>
-          </a:p>
-          <a:p>
-            <a:pPr eaLnBrk="1" hangingPunct="1">
+            <a:r>
+              <a:rPr lang="en-US" altLang="en-US" sz="4000" dirty="0">
+                <a:latin typeface="Times New Roman" panose="02020603050405020304" pitchFamily="18" charset="0"/>
+                <a:cs typeface="Times New Roman" panose="02020603050405020304" pitchFamily="18" charset="0"/>
+              </a:rPr>
+              <a:t>Alternatives to out-value</a:t>
+            </a:r>
+          </a:p>
+          <a:p>
+            <a:pPr marL="571500" indent="-571500" eaLnBrk="1" hangingPunct="1">
+              <a:lnSpc>
+                <a:spcPct val="150000"/>
+              </a:lnSpc>
               <a:spcBef>
                 <a:spcPct val="50000"/>
               </a:spcBef>
+              <a:buFont typeface="Wingdings" panose="05000000000000000000" pitchFamily="2" charset="2"/>
+              <a:buChar char="q"/>
               <a:defRPr/>
             </a:pPr>
-            <a:endParaRPr lang="en-US" altLang="en-US" sz="2625" dirty="0"/>
-          </a:p>
-          <a:p>
-            <a:pPr eaLnBrk="1" hangingPunct="1">
-              <a:spcBef>
-                <a:spcPct val="50000"/>
-              </a:spcBef>
-              <a:defRPr/>
-            </a:pPr>
-            <a:endParaRPr lang="en-US" altLang="en-US" sz="2625" dirty="0"/>
-          </a:p>
-          <a:p>
-            <a:pPr eaLnBrk="1" hangingPunct="1">
-              <a:spcBef>
-                <a:spcPct val="50000"/>
-              </a:spcBef>
-              <a:defRPr/>
-            </a:pPr>
-            <a:endParaRPr lang="en-US" altLang="en-US" sz="2625" dirty="0"/>
-          </a:p>
-          <a:p>
-            <a:pPr eaLnBrk="1" hangingPunct="1">
-              <a:spcBef>
-                <a:spcPct val="50000"/>
-              </a:spcBef>
-              <a:defRPr/>
-            </a:pPr>
-            <a:endParaRPr lang="en-US" altLang="en-US" sz="2625" dirty="0"/>
-          </a:p>
-          <a:p>
-            <a:pPr eaLnBrk="1" hangingPunct="1">
-              <a:spcBef>
-                <a:spcPct val="50000"/>
-              </a:spcBef>
-              <a:defRPr/>
-            </a:pPr>
-            <a:endParaRPr lang="en-US" altLang="en-US" sz="2625" dirty="0"/>
-          </a:p>
-          <a:p>
-            <a:pPr eaLnBrk="1" hangingPunct="1">
-              <a:spcBef>
-                <a:spcPct val="50000"/>
-              </a:spcBef>
-              <a:defRPr/>
-            </a:pPr>
-            <a:endParaRPr lang="en-US" altLang="en-US" sz="2625" dirty="0"/>
+            <a:r>
+              <a:rPr lang="en-US" altLang="en-US" sz="4000" dirty="0">
+                <a:latin typeface="Times New Roman" panose="02020603050405020304" pitchFamily="18" charset="0"/>
+                <a:cs typeface="Times New Roman" panose="02020603050405020304" pitchFamily="18" charset="0"/>
+              </a:rPr>
+              <a:t>Clustering within pitcher</a:t>
+            </a:r>
+            <a:endParaRPr lang="en-US" altLang="en-US" sz="2400" dirty="0">
+              <a:latin typeface="Times New Roman" panose="02020603050405020304" pitchFamily="18" charset="0"/>
+              <a:cs typeface="Times New Roman" panose="02020603050405020304" pitchFamily="18" charset="0"/>
+            </a:endParaRPr>
           </a:p>
         </p:txBody>
       </p:sp>
@@ -6452,7 +6006,7 @@
           <p:nvPr/>
         </p:nvPicPr>
         <p:blipFill>
-          <a:blip r:embed="rId3"/>
+          <a:blip r:embed="rId7"/>
           <a:stretch>
             <a:fillRect/>
           </a:stretch>
@@ -6467,6 +6021,1292 @@
           </a:prstGeom>
         </p:spPr>
       </p:pic>
+      <p:sp>
+        <p:nvSpPr>
+          <p:cNvPr id="3" name="Rectangle 10">
+            <a:extLst>
+              <a:ext uri="{FF2B5EF4-FFF2-40B4-BE49-F238E27FC236}">
+                <a16:creationId xmlns:a16="http://schemas.microsoft.com/office/drawing/2014/main" id="{F8BC5473-43F1-FF57-7CD5-8403892ADBD0}"/>
+              </a:ext>
+            </a:extLst>
+          </p:cNvPr>
+          <p:cNvSpPr>
+            <a:spLocks noChangeArrowheads="1"/>
+          </p:cNvSpPr>
+          <p:nvPr/>
+        </p:nvSpPr>
+        <p:spPr bwMode="auto">
+          <a:xfrm>
+            <a:off x="31092772" y="26147713"/>
+            <a:ext cx="12382501" cy="823912"/>
+          </a:xfrm>
+          <a:prstGeom prst="rect">
+            <a:avLst/>
+          </a:prstGeom>
+          <a:solidFill>
+            <a:srgbClr val="5A0722"/>
+          </a:solidFill>
+          <a:ln w="9525">
+            <a:solidFill>
+              <a:schemeClr val="tx1"/>
+            </a:solidFill>
+            <a:miter lim="800000"/>
+            <a:headEnd/>
+            <a:tailEnd/>
+          </a:ln>
+        </p:spPr>
+        <p:txBody>
+          <a:bodyPr wrap="none" lIns="120015" tIns="60008" rIns="120015" bIns="60008" anchor="ctr"/>
+          <a:lstStyle>
+            <a:lvl1pPr defTabSz="4389438">
+              <a:spcBef>
+                <a:spcPct val="20000"/>
+              </a:spcBef>
+              <a:buChar char="•"/>
+              <a:defRPr sz="11500">
+                <a:solidFill>
+                  <a:schemeClr val="tx1"/>
+                </a:solidFill>
+                <a:latin typeface="Arial" panose="020B0604020202020204" pitchFamily="34" charset="0"/>
+              </a:defRPr>
+            </a:lvl1pPr>
+            <a:lvl2pPr marL="742950" indent="-285750" defTabSz="4389438">
+              <a:spcBef>
+                <a:spcPct val="20000"/>
+              </a:spcBef>
+              <a:buChar char="–"/>
+              <a:defRPr sz="10100">
+                <a:solidFill>
+                  <a:schemeClr val="tx1"/>
+                </a:solidFill>
+                <a:latin typeface="Arial" panose="020B0604020202020204" pitchFamily="34" charset="0"/>
+              </a:defRPr>
+            </a:lvl2pPr>
+            <a:lvl3pPr marL="1143000" indent="-228600" defTabSz="4389438">
+              <a:spcBef>
+                <a:spcPct val="20000"/>
+              </a:spcBef>
+              <a:buChar char="•"/>
+              <a:defRPr sz="8700">
+                <a:solidFill>
+                  <a:schemeClr val="tx1"/>
+                </a:solidFill>
+                <a:latin typeface="Arial" panose="020B0604020202020204" pitchFamily="34" charset="0"/>
+              </a:defRPr>
+            </a:lvl3pPr>
+            <a:lvl4pPr marL="1600200" indent="-228600" defTabSz="4389438">
+              <a:spcBef>
+                <a:spcPct val="20000"/>
+              </a:spcBef>
+              <a:buChar char="–"/>
+              <a:defRPr sz="7200">
+                <a:solidFill>
+                  <a:schemeClr val="tx1"/>
+                </a:solidFill>
+                <a:latin typeface="Arial" panose="020B0604020202020204" pitchFamily="34" charset="0"/>
+              </a:defRPr>
+            </a:lvl4pPr>
+            <a:lvl5pPr marL="2057400" indent="-228600" defTabSz="4389438">
+              <a:spcBef>
+                <a:spcPct val="20000"/>
+              </a:spcBef>
+              <a:buChar char="»"/>
+              <a:defRPr sz="7200">
+                <a:solidFill>
+                  <a:schemeClr val="tx1"/>
+                </a:solidFill>
+                <a:latin typeface="Arial" panose="020B0604020202020204" pitchFamily="34" charset="0"/>
+              </a:defRPr>
+            </a:lvl5pPr>
+            <a:lvl6pPr marL="2514600" indent="-228600" defTabSz="4389438" eaLnBrk="0" fontAlgn="base" hangingPunct="0">
+              <a:spcBef>
+                <a:spcPct val="20000"/>
+              </a:spcBef>
+              <a:spcAft>
+                <a:spcPct val="0"/>
+              </a:spcAft>
+              <a:buChar char="»"/>
+              <a:defRPr sz="7200">
+                <a:solidFill>
+                  <a:schemeClr val="tx1"/>
+                </a:solidFill>
+                <a:latin typeface="Arial" panose="020B0604020202020204" pitchFamily="34" charset="0"/>
+              </a:defRPr>
+            </a:lvl6pPr>
+            <a:lvl7pPr marL="2971800" indent="-228600" defTabSz="4389438" eaLnBrk="0" fontAlgn="base" hangingPunct="0">
+              <a:spcBef>
+                <a:spcPct val="20000"/>
+              </a:spcBef>
+              <a:spcAft>
+                <a:spcPct val="0"/>
+              </a:spcAft>
+              <a:buChar char="»"/>
+              <a:defRPr sz="7200">
+                <a:solidFill>
+                  <a:schemeClr val="tx1"/>
+                </a:solidFill>
+                <a:latin typeface="Arial" panose="020B0604020202020204" pitchFamily="34" charset="0"/>
+              </a:defRPr>
+            </a:lvl7pPr>
+            <a:lvl8pPr marL="3429000" indent="-228600" defTabSz="4389438" eaLnBrk="0" fontAlgn="base" hangingPunct="0">
+              <a:spcBef>
+                <a:spcPct val="20000"/>
+              </a:spcBef>
+              <a:spcAft>
+                <a:spcPct val="0"/>
+              </a:spcAft>
+              <a:buChar char="»"/>
+              <a:defRPr sz="7200">
+                <a:solidFill>
+                  <a:schemeClr val="tx1"/>
+                </a:solidFill>
+                <a:latin typeface="Arial" panose="020B0604020202020204" pitchFamily="34" charset="0"/>
+              </a:defRPr>
+            </a:lvl8pPr>
+            <a:lvl9pPr marL="3886200" indent="-228600" defTabSz="4389438" eaLnBrk="0" fontAlgn="base" hangingPunct="0">
+              <a:spcBef>
+                <a:spcPct val="20000"/>
+              </a:spcBef>
+              <a:spcAft>
+                <a:spcPct val="0"/>
+              </a:spcAft>
+              <a:buChar char="»"/>
+              <a:defRPr sz="7200">
+                <a:solidFill>
+                  <a:schemeClr val="tx1"/>
+                </a:solidFill>
+                <a:latin typeface="Arial" panose="020B0604020202020204" pitchFamily="34" charset="0"/>
+              </a:defRPr>
+            </a:lvl9pPr>
+          </a:lstStyle>
+          <a:p>
+            <a:pPr algn="ctr" eaLnBrk="1" hangingPunct="1">
+              <a:spcBef>
+                <a:spcPct val="0"/>
+              </a:spcBef>
+              <a:buFontTx/>
+              <a:buNone/>
+            </a:pPr>
+            <a:r>
+              <a:rPr lang="en-US" altLang="en-US" sz="5400" b="1" dirty="0">
+                <a:solidFill>
+                  <a:schemeClr val="bg1"/>
+                </a:solidFill>
+                <a:latin typeface="Times New Roman" panose="02020603050405020304" pitchFamily="18" charset="0"/>
+                <a:cs typeface="Times New Roman" panose="02020603050405020304" pitchFamily="18" charset="0"/>
+              </a:rPr>
+              <a:t>References</a:t>
+            </a:r>
+            <a:endParaRPr lang="en-US" altLang="en-US" sz="1800" b="1" dirty="0">
+              <a:solidFill>
+                <a:schemeClr val="bg1"/>
+              </a:solidFill>
+              <a:latin typeface="Times New Roman" panose="02020603050405020304" pitchFamily="18" charset="0"/>
+              <a:cs typeface="Times New Roman" panose="02020603050405020304" pitchFamily="18" charset="0"/>
+            </a:endParaRPr>
+          </a:p>
+        </p:txBody>
+      </p:sp>
+      <p:pic>
+        <p:nvPicPr>
+          <p:cNvPr id="5" name="Picture 4">
+            <a:extLst>
+              <a:ext uri="{FF2B5EF4-FFF2-40B4-BE49-F238E27FC236}">
+                <a16:creationId xmlns:a16="http://schemas.microsoft.com/office/drawing/2014/main" id="{8826D785-C0AC-61E5-64DA-C5EFD29D6BC6}"/>
+              </a:ext>
+            </a:extLst>
+          </p:cNvPr>
+          <p:cNvPicPr>
+            <a:picLocks noChangeAspect="1"/>
+          </p:cNvPicPr>
+          <p:nvPr/>
+        </p:nvPicPr>
+        <p:blipFill>
+          <a:blip r:embed="rId8"/>
+          <a:stretch>
+            <a:fillRect/>
+          </a:stretch>
+        </p:blipFill>
+        <p:spPr>
+          <a:xfrm>
+            <a:off x="22953712" y="5884783"/>
+            <a:ext cx="7296368" cy="3864794"/>
+          </a:xfrm>
+          <a:prstGeom prst="rect">
+            <a:avLst/>
+          </a:prstGeom>
+        </p:spPr>
+      </p:pic>
+      <p:sp>
+        <p:nvSpPr>
+          <p:cNvPr id="6" name="Text Box 19">
+            <a:extLst>
+              <a:ext uri="{FF2B5EF4-FFF2-40B4-BE49-F238E27FC236}">
+                <a16:creationId xmlns:a16="http://schemas.microsoft.com/office/drawing/2014/main" id="{30BF7A30-974C-A4AF-B0C7-DF4F0BA7B1FD}"/>
+              </a:ext>
+            </a:extLst>
+          </p:cNvPr>
+          <p:cNvSpPr txBox="1">
+            <a:spLocks noChangeArrowheads="1"/>
+          </p:cNvSpPr>
+          <p:nvPr/>
+        </p:nvSpPr>
+        <p:spPr bwMode="auto">
+          <a:xfrm>
+            <a:off x="13376648" y="10561187"/>
+            <a:ext cx="16678811" cy="3506730"/>
+          </a:xfrm>
+          <a:prstGeom prst="rect">
+            <a:avLst/>
+          </a:prstGeom>
+          <a:noFill/>
+          <a:ln>
+            <a:noFill/>
+          </a:ln>
+          <a:extLst>
+            <a:ext uri="{909E8E84-426E-40DD-AFC4-6F175D3DCCD1}">
+              <a14:hiddenFill xmlns:a14="http://schemas.microsoft.com/office/drawing/2010/main">
+                <a:solidFill>
+                  <a:srgbClr val="FFFFFF"/>
+                </a:solidFill>
+              </a14:hiddenFill>
+            </a:ext>
+            <a:ext uri="{91240B29-F687-4F45-9708-019B960494DF}">
+              <a14:hiddenLine xmlns:a14="http://schemas.microsoft.com/office/drawing/2010/main" w="9525">
+                <a:solidFill>
+                  <a:srgbClr val="000000"/>
+                </a:solidFill>
+                <a:miter lim="800000"/>
+                <a:headEnd/>
+                <a:tailEnd/>
+              </a14:hiddenLine>
+            </a:ext>
+          </a:extLst>
+        </p:spPr>
+        <p:txBody>
+          <a:bodyPr wrap="square" lIns="120015" tIns="60008" rIns="120015" bIns="60008">
+            <a:spAutoFit/>
+          </a:bodyPr>
+          <a:lstStyle>
+            <a:lvl1pPr defTabSz="4389438" eaLnBrk="0" hangingPunct="0">
+              <a:defRPr sz="3500">
+                <a:solidFill>
+                  <a:schemeClr val="tx1"/>
+                </a:solidFill>
+                <a:latin typeface="Arial" panose="020B0604020202020204" pitchFamily="34" charset="0"/>
+              </a:defRPr>
+            </a:lvl1pPr>
+            <a:lvl2pPr marL="742950" indent="-285750" defTabSz="4389438" eaLnBrk="0" hangingPunct="0">
+              <a:defRPr sz="3500">
+                <a:solidFill>
+                  <a:schemeClr val="tx1"/>
+                </a:solidFill>
+                <a:latin typeface="Arial" panose="020B0604020202020204" pitchFamily="34" charset="0"/>
+              </a:defRPr>
+            </a:lvl2pPr>
+            <a:lvl3pPr marL="1143000" indent="-228600" defTabSz="4389438" eaLnBrk="0" hangingPunct="0">
+              <a:defRPr sz="3500">
+                <a:solidFill>
+                  <a:schemeClr val="tx1"/>
+                </a:solidFill>
+                <a:latin typeface="Arial" panose="020B0604020202020204" pitchFamily="34" charset="0"/>
+              </a:defRPr>
+            </a:lvl3pPr>
+            <a:lvl4pPr marL="1600200" indent="-228600" defTabSz="4389438" eaLnBrk="0" hangingPunct="0">
+              <a:defRPr sz="3500">
+                <a:solidFill>
+                  <a:schemeClr val="tx1"/>
+                </a:solidFill>
+                <a:latin typeface="Arial" panose="020B0604020202020204" pitchFamily="34" charset="0"/>
+              </a:defRPr>
+            </a:lvl4pPr>
+            <a:lvl5pPr marL="2057400" indent="-228600" defTabSz="4389438" eaLnBrk="0" hangingPunct="0">
+              <a:defRPr sz="3500">
+                <a:solidFill>
+                  <a:schemeClr val="tx1"/>
+                </a:solidFill>
+                <a:latin typeface="Arial" panose="020B0604020202020204" pitchFamily="34" charset="0"/>
+              </a:defRPr>
+            </a:lvl5pPr>
+            <a:lvl6pPr marL="2514600" indent="-228600" defTabSz="4389438" eaLnBrk="0" fontAlgn="base" hangingPunct="0">
+              <a:spcBef>
+                <a:spcPct val="0"/>
+              </a:spcBef>
+              <a:spcAft>
+                <a:spcPct val="0"/>
+              </a:spcAft>
+              <a:defRPr sz="3500">
+                <a:solidFill>
+                  <a:schemeClr val="tx1"/>
+                </a:solidFill>
+                <a:latin typeface="Arial" panose="020B0604020202020204" pitchFamily="34" charset="0"/>
+              </a:defRPr>
+            </a:lvl6pPr>
+            <a:lvl7pPr marL="2971800" indent="-228600" defTabSz="4389438" eaLnBrk="0" fontAlgn="base" hangingPunct="0">
+              <a:spcBef>
+                <a:spcPct val="0"/>
+              </a:spcBef>
+              <a:spcAft>
+                <a:spcPct val="0"/>
+              </a:spcAft>
+              <a:defRPr sz="3500">
+                <a:solidFill>
+                  <a:schemeClr val="tx1"/>
+                </a:solidFill>
+                <a:latin typeface="Arial" panose="020B0604020202020204" pitchFamily="34" charset="0"/>
+              </a:defRPr>
+            </a:lvl7pPr>
+            <a:lvl8pPr marL="3429000" indent="-228600" defTabSz="4389438" eaLnBrk="0" fontAlgn="base" hangingPunct="0">
+              <a:spcBef>
+                <a:spcPct val="0"/>
+              </a:spcBef>
+              <a:spcAft>
+                <a:spcPct val="0"/>
+              </a:spcAft>
+              <a:defRPr sz="3500">
+                <a:solidFill>
+                  <a:schemeClr val="tx1"/>
+                </a:solidFill>
+                <a:latin typeface="Arial" panose="020B0604020202020204" pitchFamily="34" charset="0"/>
+              </a:defRPr>
+            </a:lvl8pPr>
+            <a:lvl9pPr marL="3886200" indent="-228600" defTabSz="4389438" eaLnBrk="0" fontAlgn="base" hangingPunct="0">
+              <a:spcBef>
+                <a:spcPct val="0"/>
+              </a:spcBef>
+              <a:spcAft>
+                <a:spcPct val="0"/>
+              </a:spcAft>
+              <a:defRPr sz="3500">
+                <a:solidFill>
+                  <a:schemeClr val="tx1"/>
+                </a:solidFill>
+                <a:latin typeface="Arial" panose="020B0604020202020204" pitchFamily="34" charset="0"/>
+              </a:defRPr>
+            </a:lvl9pPr>
+          </a:lstStyle>
+          <a:p>
+            <a:pPr algn="ctr" eaLnBrk="1" hangingPunct="1">
+              <a:spcBef>
+                <a:spcPct val="50000"/>
+              </a:spcBef>
+              <a:defRPr/>
+            </a:pPr>
+            <a:r>
+              <a:rPr lang="en-US" altLang="en-US" sz="4400" dirty="0">
+                <a:latin typeface="Times New Roman" panose="02020603050405020304" pitchFamily="18" charset="0"/>
+                <a:cs typeface="Times New Roman" panose="02020603050405020304" pitchFamily="18" charset="0"/>
+              </a:rPr>
+              <a:t>We built mixed effects models separate for RHP and LHP. First, we used the full dataset to find the primary pitch types that were most effective. Then, we took the specific primary type pairing and built a second mixed effects model using subtype as the new predictors. To find the best pairing, we generated prediction intervals of the interaction effect.</a:t>
+            </a:r>
+            <a:endParaRPr lang="en-US" altLang="en-US" sz="2625" dirty="0"/>
+          </a:p>
+        </p:txBody>
+      </p:sp>
+      <p:sp>
+        <p:nvSpPr>
+          <p:cNvPr id="8" name="Text Box 19">
+            <a:extLst>
+              <a:ext uri="{FF2B5EF4-FFF2-40B4-BE49-F238E27FC236}">
+                <a16:creationId xmlns:a16="http://schemas.microsoft.com/office/drawing/2014/main" id="{1598AF65-02CB-3447-80FE-F80EE24FC644}"/>
+              </a:ext>
+            </a:extLst>
+          </p:cNvPr>
+          <p:cNvSpPr txBox="1">
+            <a:spLocks noChangeArrowheads="1"/>
+          </p:cNvSpPr>
+          <p:nvPr/>
+        </p:nvSpPr>
+        <p:spPr bwMode="auto">
+          <a:xfrm>
+            <a:off x="31126902" y="27693724"/>
+            <a:ext cx="12314239" cy="4420442"/>
+          </a:xfrm>
+          <a:prstGeom prst="rect">
+            <a:avLst/>
+          </a:prstGeom>
+          <a:noFill/>
+          <a:ln>
+            <a:noFill/>
+          </a:ln>
+          <a:extLst>
+            <a:ext uri="{909E8E84-426E-40DD-AFC4-6F175D3DCCD1}">
+              <a14:hiddenFill xmlns:a14="http://schemas.microsoft.com/office/drawing/2010/main">
+                <a:solidFill>
+                  <a:srgbClr val="FFFFFF"/>
+                </a:solidFill>
+              </a14:hiddenFill>
+            </a:ext>
+            <a:ext uri="{91240B29-F687-4F45-9708-019B960494DF}">
+              <a14:hiddenLine xmlns:a14="http://schemas.microsoft.com/office/drawing/2010/main" w="9525">
+                <a:solidFill>
+                  <a:srgbClr val="000000"/>
+                </a:solidFill>
+                <a:miter lim="800000"/>
+                <a:headEnd/>
+                <a:tailEnd/>
+              </a14:hiddenLine>
+            </a:ext>
+          </a:extLst>
+        </p:spPr>
+        <p:txBody>
+          <a:bodyPr wrap="square" lIns="120015" tIns="60008" rIns="120015" bIns="60008">
+            <a:spAutoFit/>
+          </a:bodyPr>
+          <a:lstStyle>
+            <a:lvl1pPr defTabSz="4389438" eaLnBrk="0" hangingPunct="0">
+              <a:defRPr sz="3500">
+                <a:solidFill>
+                  <a:schemeClr val="tx1"/>
+                </a:solidFill>
+                <a:latin typeface="Arial" panose="020B0604020202020204" pitchFamily="34" charset="0"/>
+              </a:defRPr>
+            </a:lvl1pPr>
+            <a:lvl2pPr marL="742950" indent="-285750" defTabSz="4389438" eaLnBrk="0" hangingPunct="0">
+              <a:defRPr sz="3500">
+                <a:solidFill>
+                  <a:schemeClr val="tx1"/>
+                </a:solidFill>
+                <a:latin typeface="Arial" panose="020B0604020202020204" pitchFamily="34" charset="0"/>
+              </a:defRPr>
+            </a:lvl2pPr>
+            <a:lvl3pPr marL="1143000" indent="-228600" defTabSz="4389438" eaLnBrk="0" hangingPunct="0">
+              <a:defRPr sz="3500">
+                <a:solidFill>
+                  <a:schemeClr val="tx1"/>
+                </a:solidFill>
+                <a:latin typeface="Arial" panose="020B0604020202020204" pitchFamily="34" charset="0"/>
+              </a:defRPr>
+            </a:lvl3pPr>
+            <a:lvl4pPr marL="1600200" indent="-228600" defTabSz="4389438" eaLnBrk="0" hangingPunct="0">
+              <a:defRPr sz="3500">
+                <a:solidFill>
+                  <a:schemeClr val="tx1"/>
+                </a:solidFill>
+                <a:latin typeface="Arial" panose="020B0604020202020204" pitchFamily="34" charset="0"/>
+              </a:defRPr>
+            </a:lvl4pPr>
+            <a:lvl5pPr marL="2057400" indent="-228600" defTabSz="4389438" eaLnBrk="0" hangingPunct="0">
+              <a:defRPr sz="3500">
+                <a:solidFill>
+                  <a:schemeClr val="tx1"/>
+                </a:solidFill>
+                <a:latin typeface="Arial" panose="020B0604020202020204" pitchFamily="34" charset="0"/>
+              </a:defRPr>
+            </a:lvl5pPr>
+            <a:lvl6pPr marL="2514600" indent="-228600" defTabSz="4389438" eaLnBrk="0" fontAlgn="base" hangingPunct="0">
+              <a:spcBef>
+                <a:spcPct val="0"/>
+              </a:spcBef>
+              <a:spcAft>
+                <a:spcPct val="0"/>
+              </a:spcAft>
+              <a:defRPr sz="3500">
+                <a:solidFill>
+                  <a:schemeClr val="tx1"/>
+                </a:solidFill>
+                <a:latin typeface="Arial" panose="020B0604020202020204" pitchFamily="34" charset="0"/>
+              </a:defRPr>
+            </a:lvl6pPr>
+            <a:lvl7pPr marL="2971800" indent="-228600" defTabSz="4389438" eaLnBrk="0" fontAlgn="base" hangingPunct="0">
+              <a:spcBef>
+                <a:spcPct val="0"/>
+              </a:spcBef>
+              <a:spcAft>
+                <a:spcPct val="0"/>
+              </a:spcAft>
+              <a:defRPr sz="3500">
+                <a:solidFill>
+                  <a:schemeClr val="tx1"/>
+                </a:solidFill>
+                <a:latin typeface="Arial" panose="020B0604020202020204" pitchFamily="34" charset="0"/>
+              </a:defRPr>
+            </a:lvl7pPr>
+            <a:lvl8pPr marL="3429000" indent="-228600" defTabSz="4389438" eaLnBrk="0" fontAlgn="base" hangingPunct="0">
+              <a:spcBef>
+                <a:spcPct val="0"/>
+              </a:spcBef>
+              <a:spcAft>
+                <a:spcPct val="0"/>
+              </a:spcAft>
+              <a:defRPr sz="3500">
+                <a:solidFill>
+                  <a:schemeClr val="tx1"/>
+                </a:solidFill>
+                <a:latin typeface="Arial" panose="020B0604020202020204" pitchFamily="34" charset="0"/>
+              </a:defRPr>
+            </a:lvl8pPr>
+            <a:lvl9pPr marL="3886200" indent="-228600" defTabSz="4389438" eaLnBrk="0" fontAlgn="base" hangingPunct="0">
+              <a:spcBef>
+                <a:spcPct val="0"/>
+              </a:spcBef>
+              <a:spcAft>
+                <a:spcPct val="0"/>
+              </a:spcAft>
+              <a:defRPr sz="3500">
+                <a:solidFill>
+                  <a:schemeClr val="tx1"/>
+                </a:solidFill>
+                <a:latin typeface="Arial" panose="020B0604020202020204" pitchFamily="34" charset="0"/>
+              </a:defRPr>
+            </a:lvl9pPr>
+          </a:lstStyle>
+          <a:p>
+            <a:pPr marL="571500" indent="-571500" eaLnBrk="1" hangingPunct="1">
+              <a:spcBef>
+                <a:spcPct val="50000"/>
+              </a:spcBef>
+              <a:buFont typeface="Arial" panose="020B0604020202020204" pitchFamily="34" charset="0"/>
+              <a:buChar char="•"/>
+              <a:defRPr/>
+            </a:pPr>
+            <a:r>
+              <a:rPr lang="en-US" altLang="en-US" sz="4000" dirty="0" err="1">
+                <a:latin typeface="Times New Roman" panose="02020603050405020304" pitchFamily="18" charset="0"/>
+                <a:cs typeface="Times New Roman" panose="02020603050405020304" pitchFamily="18" charset="0"/>
+              </a:rPr>
+              <a:t>Dvorocsik</a:t>
+            </a:r>
+            <a:r>
+              <a:rPr lang="en-US" altLang="en-US" sz="4000" dirty="0">
+                <a:latin typeface="Times New Roman" panose="02020603050405020304" pitchFamily="18" charset="0"/>
+                <a:cs typeface="Times New Roman" panose="02020603050405020304" pitchFamily="18" charset="0"/>
+              </a:rPr>
+              <a:t>, G., Sarris, E., &amp; Camp, J. (2020). Using Clustering to Find Pitch Subtypes and Effective Pairings. </a:t>
+            </a:r>
+            <a:r>
+              <a:rPr lang="en-US" altLang="en-US" sz="4000" i="1" dirty="0">
+                <a:latin typeface="Times New Roman" panose="02020603050405020304" pitchFamily="18" charset="0"/>
+                <a:cs typeface="Times New Roman" panose="02020603050405020304" pitchFamily="18" charset="0"/>
+              </a:rPr>
+              <a:t>Baseball Research Journal, Spring 2020</a:t>
+            </a:r>
+            <a:r>
+              <a:rPr lang="en-US" altLang="en-US" sz="4000" dirty="0">
+                <a:latin typeface="Times New Roman" panose="02020603050405020304" pitchFamily="18" charset="0"/>
+                <a:cs typeface="Times New Roman" panose="02020603050405020304" pitchFamily="18" charset="0"/>
+              </a:rPr>
+              <a:t>.</a:t>
+            </a:r>
+          </a:p>
+          <a:p>
+            <a:pPr marL="571500" indent="-571500" eaLnBrk="1" hangingPunct="1">
+              <a:spcBef>
+                <a:spcPct val="50000"/>
+              </a:spcBef>
+              <a:buFont typeface="Arial" panose="020B0604020202020204" pitchFamily="34" charset="0"/>
+              <a:buChar char="•"/>
+              <a:defRPr/>
+            </a:pPr>
+            <a:r>
+              <a:rPr lang="en-US" altLang="en-US" sz="4000" dirty="0">
+                <a:latin typeface="Times New Roman" panose="02020603050405020304" pitchFamily="18" charset="0"/>
+                <a:cs typeface="Times New Roman" panose="02020603050405020304" pitchFamily="18" charset="0"/>
+              </a:rPr>
+              <a:t>A</a:t>
+            </a:r>
+          </a:p>
+          <a:p>
+            <a:pPr eaLnBrk="1" hangingPunct="1">
+              <a:spcBef>
+                <a:spcPct val="50000"/>
+              </a:spcBef>
+              <a:defRPr/>
+            </a:pPr>
+            <a:endParaRPr lang="en-US" altLang="en-US" sz="4000" dirty="0">
+              <a:latin typeface="Times New Roman" panose="02020603050405020304" pitchFamily="18" charset="0"/>
+              <a:cs typeface="Times New Roman" panose="02020603050405020304" pitchFamily="18" charset="0"/>
+            </a:endParaRPr>
+          </a:p>
+          <a:p>
+            <a:pPr marL="571500" indent="-571500" eaLnBrk="1" hangingPunct="1">
+              <a:spcBef>
+                <a:spcPct val="50000"/>
+              </a:spcBef>
+              <a:buFont typeface="Arial" panose="020B0604020202020204" pitchFamily="34" charset="0"/>
+              <a:buChar char="•"/>
+              <a:defRPr/>
+            </a:pPr>
+            <a:endParaRPr lang="en-US" altLang="en-US" sz="2625" dirty="0"/>
+          </a:p>
+        </p:txBody>
+      </p:sp>
+      <p:pic>
+        <p:nvPicPr>
+          <p:cNvPr id="18" name="Picture 17">
+            <a:extLst>
+              <a:ext uri="{FF2B5EF4-FFF2-40B4-BE49-F238E27FC236}">
+                <a16:creationId xmlns:a16="http://schemas.microsoft.com/office/drawing/2014/main" id="{CB829856-732D-6520-0DB9-840647527B68}"/>
+              </a:ext>
+            </a:extLst>
+          </p:cNvPr>
+          <p:cNvPicPr>
+            <a:picLocks noChangeAspect="1"/>
+          </p:cNvPicPr>
+          <p:nvPr/>
+        </p:nvPicPr>
+        <p:blipFill>
+          <a:blip r:embed="rId9"/>
+          <a:stretch>
+            <a:fillRect/>
+          </a:stretch>
+        </p:blipFill>
+        <p:spPr>
+          <a:xfrm>
+            <a:off x="340071" y="18342785"/>
+            <a:ext cx="5924550" cy="5229225"/>
+          </a:xfrm>
+          <a:prstGeom prst="rect">
+            <a:avLst/>
+          </a:prstGeom>
+        </p:spPr>
+      </p:pic>
+      <p:pic>
+        <p:nvPicPr>
+          <p:cNvPr id="20" name="Picture 19">
+            <a:extLst>
+              <a:ext uri="{FF2B5EF4-FFF2-40B4-BE49-F238E27FC236}">
+                <a16:creationId xmlns:a16="http://schemas.microsoft.com/office/drawing/2014/main" id="{38FAC648-6794-7FF1-83F1-3C222EE15F35}"/>
+              </a:ext>
+            </a:extLst>
+          </p:cNvPr>
+          <p:cNvPicPr>
+            <a:picLocks noChangeAspect="1"/>
+          </p:cNvPicPr>
+          <p:nvPr/>
+        </p:nvPicPr>
+        <p:blipFill>
+          <a:blip r:embed="rId10"/>
+          <a:stretch>
+            <a:fillRect/>
+          </a:stretch>
+        </p:blipFill>
+        <p:spPr>
+          <a:xfrm>
+            <a:off x="1438733" y="26714501"/>
+            <a:ext cx="10194059" cy="5399665"/>
+          </a:xfrm>
+          <a:prstGeom prst="rect">
+            <a:avLst/>
+          </a:prstGeom>
+        </p:spPr>
+      </p:pic>
+      <p:pic>
+        <p:nvPicPr>
+          <p:cNvPr id="2052" name="Picture 2051">
+            <a:extLst>
+              <a:ext uri="{FF2B5EF4-FFF2-40B4-BE49-F238E27FC236}">
+                <a16:creationId xmlns:a16="http://schemas.microsoft.com/office/drawing/2014/main" id="{E7FEB2C0-7626-7EE8-1552-305AAB682738}"/>
+              </a:ext>
+            </a:extLst>
+          </p:cNvPr>
+          <p:cNvPicPr>
+            <a:picLocks noChangeAspect="1"/>
+          </p:cNvPicPr>
+          <p:nvPr/>
+        </p:nvPicPr>
+        <p:blipFill>
+          <a:blip r:embed="rId11"/>
+          <a:stretch>
+            <a:fillRect/>
+          </a:stretch>
+        </p:blipFill>
+        <p:spPr>
+          <a:xfrm>
+            <a:off x="31092772" y="15085669"/>
+            <a:ext cx="7990731" cy="3100505"/>
+          </a:xfrm>
+          <a:prstGeom prst="rect">
+            <a:avLst/>
+          </a:prstGeom>
+        </p:spPr>
+      </p:pic>
+      <p:pic>
+        <p:nvPicPr>
+          <p:cNvPr id="2055" name="Picture 2054">
+            <a:extLst>
+              <a:ext uri="{FF2B5EF4-FFF2-40B4-BE49-F238E27FC236}">
+                <a16:creationId xmlns:a16="http://schemas.microsoft.com/office/drawing/2014/main" id="{DE550315-8E60-679D-F7F3-4381A09A9F0F}"/>
+              </a:ext>
+            </a:extLst>
+          </p:cNvPr>
+          <p:cNvPicPr>
+            <a:picLocks noChangeAspect="1"/>
+          </p:cNvPicPr>
+          <p:nvPr/>
+        </p:nvPicPr>
+        <p:blipFill>
+          <a:blip r:embed="rId12"/>
+          <a:stretch>
+            <a:fillRect/>
+          </a:stretch>
+        </p:blipFill>
+        <p:spPr>
+          <a:xfrm>
+            <a:off x="35088138" y="11981198"/>
+            <a:ext cx="7990731" cy="3100504"/>
+          </a:xfrm>
+          <a:prstGeom prst="rect">
+            <a:avLst/>
+          </a:prstGeom>
+        </p:spPr>
+      </p:pic>
+      <p:pic>
+        <p:nvPicPr>
+          <p:cNvPr id="2056" name="Picture 2055">
+            <a:extLst>
+              <a:ext uri="{FF2B5EF4-FFF2-40B4-BE49-F238E27FC236}">
+                <a16:creationId xmlns:a16="http://schemas.microsoft.com/office/drawing/2014/main" id="{6663CE46-3C6C-8F4E-7032-A31636506E75}"/>
+              </a:ext>
+            </a:extLst>
+          </p:cNvPr>
+          <p:cNvPicPr>
+            <a:picLocks noChangeAspect="1"/>
+          </p:cNvPicPr>
+          <p:nvPr/>
+        </p:nvPicPr>
+        <p:blipFill>
+          <a:blip r:embed="rId13"/>
+          <a:stretch>
+            <a:fillRect/>
+          </a:stretch>
+        </p:blipFill>
+        <p:spPr>
+          <a:xfrm>
+            <a:off x="31092771" y="5608956"/>
+            <a:ext cx="7990731" cy="2933499"/>
+          </a:xfrm>
+          <a:prstGeom prst="rect">
+            <a:avLst/>
+          </a:prstGeom>
+        </p:spPr>
+      </p:pic>
+      <p:pic>
+        <p:nvPicPr>
+          <p:cNvPr id="2062" name="Picture 2061">
+            <a:extLst>
+              <a:ext uri="{FF2B5EF4-FFF2-40B4-BE49-F238E27FC236}">
+                <a16:creationId xmlns:a16="http://schemas.microsoft.com/office/drawing/2014/main" id="{0C778E6D-24F7-3E7D-A1EE-27EC3B023F97}"/>
+              </a:ext>
+            </a:extLst>
+          </p:cNvPr>
+          <p:cNvPicPr>
+            <a:picLocks noChangeAspect="1"/>
+          </p:cNvPicPr>
+          <p:nvPr/>
+        </p:nvPicPr>
+        <p:blipFill>
+          <a:blip r:embed="rId14"/>
+          <a:stretch>
+            <a:fillRect/>
+          </a:stretch>
+        </p:blipFill>
+        <p:spPr>
+          <a:xfrm>
+            <a:off x="35088138" y="8542455"/>
+            <a:ext cx="7990731" cy="2933500"/>
+          </a:xfrm>
+          <a:prstGeom prst="rect">
+            <a:avLst/>
+          </a:prstGeom>
+        </p:spPr>
+      </p:pic>
+      <p:sp>
+        <p:nvSpPr>
+          <p:cNvPr id="2063" name="Text Box 19">
+            <a:extLst>
+              <a:ext uri="{FF2B5EF4-FFF2-40B4-BE49-F238E27FC236}">
+                <a16:creationId xmlns:a16="http://schemas.microsoft.com/office/drawing/2014/main" id="{71F12014-0A28-7A2D-D459-CC9665F22D1C}"/>
+              </a:ext>
+            </a:extLst>
+          </p:cNvPr>
+          <p:cNvSpPr txBox="1">
+            <a:spLocks noChangeArrowheads="1"/>
+          </p:cNvSpPr>
+          <p:nvPr/>
+        </p:nvSpPr>
+        <p:spPr bwMode="auto">
+          <a:xfrm>
+            <a:off x="31090807" y="9291255"/>
+            <a:ext cx="3997331" cy="5045613"/>
+          </a:xfrm>
+          <a:prstGeom prst="rect">
+            <a:avLst/>
+          </a:prstGeom>
+          <a:noFill/>
+          <a:ln>
+            <a:noFill/>
+          </a:ln>
+          <a:extLst>
+            <a:ext uri="{909E8E84-426E-40DD-AFC4-6F175D3DCCD1}">
+              <a14:hiddenFill xmlns:a14="http://schemas.microsoft.com/office/drawing/2010/main">
+                <a:solidFill>
+                  <a:srgbClr val="FFFFFF"/>
+                </a:solidFill>
+              </a14:hiddenFill>
+            </a:ext>
+            <a:ext uri="{91240B29-F687-4F45-9708-019B960494DF}">
+              <a14:hiddenLine xmlns:a14="http://schemas.microsoft.com/office/drawing/2010/main" w="9525">
+                <a:solidFill>
+                  <a:srgbClr val="000000"/>
+                </a:solidFill>
+                <a:miter lim="800000"/>
+                <a:headEnd/>
+                <a:tailEnd/>
+              </a14:hiddenLine>
+            </a:ext>
+          </a:extLst>
+        </p:spPr>
+        <p:txBody>
+          <a:bodyPr wrap="square" lIns="120015" tIns="60008" rIns="120015" bIns="60008">
+            <a:spAutoFit/>
+          </a:bodyPr>
+          <a:lstStyle>
+            <a:lvl1pPr defTabSz="4389438" eaLnBrk="0" hangingPunct="0">
+              <a:defRPr sz="3500">
+                <a:solidFill>
+                  <a:schemeClr val="tx1"/>
+                </a:solidFill>
+                <a:latin typeface="Arial" panose="020B0604020202020204" pitchFamily="34" charset="0"/>
+              </a:defRPr>
+            </a:lvl1pPr>
+            <a:lvl2pPr marL="742950" indent="-285750" defTabSz="4389438" eaLnBrk="0" hangingPunct="0">
+              <a:defRPr sz="3500">
+                <a:solidFill>
+                  <a:schemeClr val="tx1"/>
+                </a:solidFill>
+                <a:latin typeface="Arial" panose="020B0604020202020204" pitchFamily="34" charset="0"/>
+              </a:defRPr>
+            </a:lvl2pPr>
+            <a:lvl3pPr marL="1143000" indent="-228600" defTabSz="4389438" eaLnBrk="0" hangingPunct="0">
+              <a:defRPr sz="3500">
+                <a:solidFill>
+                  <a:schemeClr val="tx1"/>
+                </a:solidFill>
+                <a:latin typeface="Arial" panose="020B0604020202020204" pitchFamily="34" charset="0"/>
+              </a:defRPr>
+            </a:lvl3pPr>
+            <a:lvl4pPr marL="1600200" indent="-228600" defTabSz="4389438" eaLnBrk="0" hangingPunct="0">
+              <a:defRPr sz="3500">
+                <a:solidFill>
+                  <a:schemeClr val="tx1"/>
+                </a:solidFill>
+                <a:latin typeface="Arial" panose="020B0604020202020204" pitchFamily="34" charset="0"/>
+              </a:defRPr>
+            </a:lvl4pPr>
+            <a:lvl5pPr marL="2057400" indent="-228600" defTabSz="4389438" eaLnBrk="0" hangingPunct="0">
+              <a:defRPr sz="3500">
+                <a:solidFill>
+                  <a:schemeClr val="tx1"/>
+                </a:solidFill>
+                <a:latin typeface="Arial" panose="020B0604020202020204" pitchFamily="34" charset="0"/>
+              </a:defRPr>
+            </a:lvl5pPr>
+            <a:lvl6pPr marL="2514600" indent="-228600" defTabSz="4389438" eaLnBrk="0" fontAlgn="base" hangingPunct="0">
+              <a:spcBef>
+                <a:spcPct val="0"/>
+              </a:spcBef>
+              <a:spcAft>
+                <a:spcPct val="0"/>
+              </a:spcAft>
+              <a:defRPr sz="3500">
+                <a:solidFill>
+                  <a:schemeClr val="tx1"/>
+                </a:solidFill>
+                <a:latin typeface="Arial" panose="020B0604020202020204" pitchFamily="34" charset="0"/>
+              </a:defRPr>
+            </a:lvl6pPr>
+            <a:lvl7pPr marL="2971800" indent="-228600" defTabSz="4389438" eaLnBrk="0" fontAlgn="base" hangingPunct="0">
+              <a:spcBef>
+                <a:spcPct val="0"/>
+              </a:spcBef>
+              <a:spcAft>
+                <a:spcPct val="0"/>
+              </a:spcAft>
+              <a:defRPr sz="3500">
+                <a:solidFill>
+                  <a:schemeClr val="tx1"/>
+                </a:solidFill>
+                <a:latin typeface="Arial" panose="020B0604020202020204" pitchFamily="34" charset="0"/>
+              </a:defRPr>
+            </a:lvl7pPr>
+            <a:lvl8pPr marL="3429000" indent="-228600" defTabSz="4389438" eaLnBrk="0" fontAlgn="base" hangingPunct="0">
+              <a:spcBef>
+                <a:spcPct val="0"/>
+              </a:spcBef>
+              <a:spcAft>
+                <a:spcPct val="0"/>
+              </a:spcAft>
+              <a:defRPr sz="3500">
+                <a:solidFill>
+                  <a:schemeClr val="tx1"/>
+                </a:solidFill>
+                <a:latin typeface="Arial" panose="020B0604020202020204" pitchFamily="34" charset="0"/>
+              </a:defRPr>
+            </a:lvl8pPr>
+            <a:lvl9pPr marL="3886200" indent="-228600" defTabSz="4389438" eaLnBrk="0" fontAlgn="base" hangingPunct="0">
+              <a:spcBef>
+                <a:spcPct val="0"/>
+              </a:spcBef>
+              <a:spcAft>
+                <a:spcPct val="0"/>
+              </a:spcAft>
+              <a:defRPr sz="3500">
+                <a:solidFill>
+                  <a:schemeClr val="tx1"/>
+                </a:solidFill>
+                <a:latin typeface="Arial" panose="020B0604020202020204" pitchFamily="34" charset="0"/>
+              </a:defRPr>
+            </a:lvl9pPr>
+          </a:lstStyle>
+          <a:p>
+            <a:pPr eaLnBrk="1" hangingPunct="1">
+              <a:spcBef>
+                <a:spcPct val="50000"/>
+              </a:spcBef>
+              <a:defRPr/>
+            </a:pPr>
+            <a:r>
+              <a:rPr lang="en-US" altLang="en-US" sz="4000" dirty="0">
+                <a:latin typeface="Times New Roman" panose="02020603050405020304" pitchFamily="18" charset="0"/>
+                <a:cs typeface="Times New Roman" panose="02020603050405020304" pitchFamily="18" charset="0"/>
+              </a:rPr>
+              <a:t>Clustering on velocity, spin rate, </a:t>
+            </a:r>
+            <a:r>
+              <a:rPr lang="en-US" altLang="en-US" sz="4000" dirty="0" err="1">
+                <a:latin typeface="Times New Roman" panose="02020603050405020304" pitchFamily="18" charset="0"/>
+                <a:cs typeface="Times New Roman" panose="02020603050405020304" pitchFamily="18" charset="0"/>
+              </a:rPr>
+              <a:t>pfx_x</a:t>
+            </a:r>
+            <a:r>
+              <a:rPr lang="en-US" altLang="en-US" sz="4000" dirty="0">
+                <a:latin typeface="Times New Roman" panose="02020603050405020304" pitchFamily="18" charset="0"/>
+                <a:cs typeface="Times New Roman" panose="02020603050405020304" pitchFamily="18" charset="0"/>
+              </a:rPr>
+              <a:t>, and </a:t>
+            </a:r>
+            <a:r>
+              <a:rPr lang="en-US" altLang="en-US" sz="4000" dirty="0" err="1">
+                <a:latin typeface="Times New Roman" panose="02020603050405020304" pitchFamily="18" charset="0"/>
+                <a:cs typeface="Times New Roman" panose="02020603050405020304" pitchFamily="18" charset="0"/>
+              </a:rPr>
+              <a:t>pfx_y</a:t>
+            </a:r>
+            <a:r>
+              <a:rPr lang="en-US" altLang="en-US" sz="4000" dirty="0">
+                <a:latin typeface="Times New Roman" panose="02020603050405020304" pitchFamily="18" charset="0"/>
+                <a:cs typeface="Times New Roman" panose="02020603050405020304" pitchFamily="18" charset="0"/>
+              </a:rPr>
+              <a:t> with k-means, we went from 6 primary types to 32 subtypes for each handedness.</a:t>
+            </a:r>
+          </a:p>
+        </p:txBody>
+      </p:sp>
+      <p:pic>
+        <p:nvPicPr>
+          <p:cNvPr id="2068" name="Picture 2067">
+            <a:extLst>
+              <a:ext uri="{FF2B5EF4-FFF2-40B4-BE49-F238E27FC236}">
+                <a16:creationId xmlns:a16="http://schemas.microsoft.com/office/drawing/2014/main" id="{886A09F5-D15C-FE2B-EA67-CE1543143E58}"/>
+              </a:ext>
+            </a:extLst>
+          </p:cNvPr>
+          <p:cNvPicPr>
+            <a:picLocks noChangeAspect="1"/>
+          </p:cNvPicPr>
+          <p:nvPr/>
+        </p:nvPicPr>
+        <p:blipFill>
+          <a:blip r:embed="rId15"/>
+          <a:stretch>
+            <a:fillRect/>
+          </a:stretch>
+        </p:blipFill>
+        <p:spPr>
+          <a:xfrm>
+            <a:off x="17253834" y="16256132"/>
+            <a:ext cx="3596850" cy="3177585"/>
+          </a:xfrm>
+          <a:prstGeom prst="rect">
+            <a:avLst/>
+          </a:prstGeom>
+        </p:spPr>
+      </p:pic>
+      <p:pic>
+        <p:nvPicPr>
+          <p:cNvPr id="2069" name="Picture 2068">
+            <a:extLst>
+              <a:ext uri="{FF2B5EF4-FFF2-40B4-BE49-F238E27FC236}">
+                <a16:creationId xmlns:a16="http://schemas.microsoft.com/office/drawing/2014/main" id="{AB1F79C2-FECC-A641-D5C5-2DF613510D37}"/>
+              </a:ext>
+            </a:extLst>
+          </p:cNvPr>
+          <p:cNvPicPr>
+            <a:picLocks noChangeAspect="1"/>
+          </p:cNvPicPr>
+          <p:nvPr/>
+        </p:nvPicPr>
+        <p:blipFill>
+          <a:blip r:embed="rId16"/>
+          <a:stretch>
+            <a:fillRect/>
+          </a:stretch>
+        </p:blipFill>
+        <p:spPr>
+          <a:xfrm>
+            <a:off x="13595777" y="16256132"/>
+            <a:ext cx="3596850" cy="3177585"/>
+          </a:xfrm>
+          <a:prstGeom prst="rect">
+            <a:avLst/>
+          </a:prstGeom>
+        </p:spPr>
+      </p:pic>
+      <p:pic>
+        <p:nvPicPr>
+          <p:cNvPr id="2071" name="Picture 2070">
+            <a:extLst>
+              <a:ext uri="{FF2B5EF4-FFF2-40B4-BE49-F238E27FC236}">
+                <a16:creationId xmlns:a16="http://schemas.microsoft.com/office/drawing/2014/main" id="{B3E9E0A2-5CD2-085C-F120-56D5CECD5E8E}"/>
+              </a:ext>
+            </a:extLst>
+          </p:cNvPr>
+          <p:cNvPicPr>
+            <a:picLocks noChangeAspect="1"/>
+          </p:cNvPicPr>
+          <p:nvPr/>
+        </p:nvPicPr>
+        <p:blipFill>
+          <a:blip r:embed="rId17"/>
+          <a:stretch>
+            <a:fillRect/>
+          </a:stretch>
+        </p:blipFill>
+        <p:spPr>
+          <a:xfrm>
+            <a:off x="22145037" y="22518787"/>
+            <a:ext cx="7609998" cy="5783095"/>
+          </a:xfrm>
+          <a:prstGeom prst="rect">
+            <a:avLst/>
+          </a:prstGeom>
+        </p:spPr>
+      </p:pic>
+      <p:pic>
+        <p:nvPicPr>
+          <p:cNvPr id="2072" name="Picture 2071">
+            <a:extLst>
+              <a:ext uri="{FF2B5EF4-FFF2-40B4-BE49-F238E27FC236}">
+                <a16:creationId xmlns:a16="http://schemas.microsoft.com/office/drawing/2014/main" id="{7468327A-148F-F6AB-8AD7-CDA4130103F3}"/>
+              </a:ext>
+            </a:extLst>
+          </p:cNvPr>
+          <p:cNvPicPr>
+            <a:picLocks noChangeAspect="1"/>
+          </p:cNvPicPr>
+          <p:nvPr/>
+        </p:nvPicPr>
+        <p:blipFill>
+          <a:blip r:embed="rId18"/>
+          <a:stretch>
+            <a:fillRect/>
+          </a:stretch>
+        </p:blipFill>
+        <p:spPr>
+          <a:xfrm>
+            <a:off x="13972425" y="22518787"/>
+            <a:ext cx="7609999" cy="5783096"/>
+          </a:xfrm>
+          <a:prstGeom prst="rect">
+            <a:avLst/>
+          </a:prstGeom>
+        </p:spPr>
+      </p:pic>
+      <p:sp>
+        <p:nvSpPr>
+          <p:cNvPr id="2073" name="Text Box 19">
+            <a:extLst>
+              <a:ext uri="{FF2B5EF4-FFF2-40B4-BE49-F238E27FC236}">
+                <a16:creationId xmlns:a16="http://schemas.microsoft.com/office/drawing/2014/main" id="{3A4CFD33-E18D-92A8-646E-021B39A2BADE}"/>
+              </a:ext>
+            </a:extLst>
+          </p:cNvPr>
+          <p:cNvSpPr txBox="1">
+            <a:spLocks noChangeArrowheads="1"/>
+          </p:cNvSpPr>
+          <p:nvPr/>
+        </p:nvSpPr>
+        <p:spPr bwMode="auto">
+          <a:xfrm>
+            <a:off x="14574934" y="19772780"/>
+            <a:ext cx="14282237" cy="3795271"/>
+          </a:xfrm>
+          <a:prstGeom prst="rect">
+            <a:avLst/>
+          </a:prstGeom>
+          <a:noFill/>
+          <a:ln>
+            <a:noFill/>
+          </a:ln>
+          <a:extLst>
+            <a:ext uri="{909E8E84-426E-40DD-AFC4-6F175D3DCCD1}">
+              <a14:hiddenFill xmlns:a14="http://schemas.microsoft.com/office/drawing/2010/main">
+                <a:solidFill>
+                  <a:srgbClr val="FFFFFF"/>
+                </a:solidFill>
+              </a14:hiddenFill>
+            </a:ext>
+            <a:ext uri="{91240B29-F687-4F45-9708-019B960494DF}">
+              <a14:hiddenLine xmlns:a14="http://schemas.microsoft.com/office/drawing/2010/main" w="9525">
+                <a:solidFill>
+                  <a:srgbClr val="000000"/>
+                </a:solidFill>
+                <a:miter lim="800000"/>
+                <a:headEnd/>
+                <a:tailEnd/>
+              </a14:hiddenLine>
+            </a:ext>
+          </a:extLst>
+        </p:spPr>
+        <p:txBody>
+          <a:bodyPr wrap="square" lIns="120015" tIns="60008" rIns="120015" bIns="60008">
+            <a:spAutoFit/>
+          </a:bodyPr>
+          <a:lstStyle>
+            <a:lvl1pPr defTabSz="4389438" eaLnBrk="0" hangingPunct="0">
+              <a:defRPr sz="3500">
+                <a:solidFill>
+                  <a:schemeClr val="tx1"/>
+                </a:solidFill>
+                <a:latin typeface="Arial" panose="020B0604020202020204" pitchFamily="34" charset="0"/>
+              </a:defRPr>
+            </a:lvl1pPr>
+            <a:lvl2pPr marL="742950" indent="-285750" defTabSz="4389438" eaLnBrk="0" hangingPunct="0">
+              <a:defRPr sz="3500">
+                <a:solidFill>
+                  <a:schemeClr val="tx1"/>
+                </a:solidFill>
+                <a:latin typeface="Arial" panose="020B0604020202020204" pitchFamily="34" charset="0"/>
+              </a:defRPr>
+            </a:lvl2pPr>
+            <a:lvl3pPr marL="1143000" indent="-228600" defTabSz="4389438" eaLnBrk="0" hangingPunct="0">
+              <a:defRPr sz="3500">
+                <a:solidFill>
+                  <a:schemeClr val="tx1"/>
+                </a:solidFill>
+                <a:latin typeface="Arial" panose="020B0604020202020204" pitchFamily="34" charset="0"/>
+              </a:defRPr>
+            </a:lvl3pPr>
+            <a:lvl4pPr marL="1600200" indent="-228600" defTabSz="4389438" eaLnBrk="0" hangingPunct="0">
+              <a:defRPr sz="3500">
+                <a:solidFill>
+                  <a:schemeClr val="tx1"/>
+                </a:solidFill>
+                <a:latin typeface="Arial" panose="020B0604020202020204" pitchFamily="34" charset="0"/>
+              </a:defRPr>
+            </a:lvl4pPr>
+            <a:lvl5pPr marL="2057400" indent="-228600" defTabSz="4389438" eaLnBrk="0" hangingPunct="0">
+              <a:defRPr sz="3500">
+                <a:solidFill>
+                  <a:schemeClr val="tx1"/>
+                </a:solidFill>
+                <a:latin typeface="Arial" panose="020B0604020202020204" pitchFamily="34" charset="0"/>
+              </a:defRPr>
+            </a:lvl5pPr>
+            <a:lvl6pPr marL="2514600" indent="-228600" defTabSz="4389438" eaLnBrk="0" fontAlgn="base" hangingPunct="0">
+              <a:spcBef>
+                <a:spcPct val="0"/>
+              </a:spcBef>
+              <a:spcAft>
+                <a:spcPct val="0"/>
+              </a:spcAft>
+              <a:defRPr sz="3500">
+                <a:solidFill>
+                  <a:schemeClr val="tx1"/>
+                </a:solidFill>
+                <a:latin typeface="Arial" panose="020B0604020202020204" pitchFamily="34" charset="0"/>
+              </a:defRPr>
+            </a:lvl6pPr>
+            <a:lvl7pPr marL="2971800" indent="-228600" defTabSz="4389438" eaLnBrk="0" fontAlgn="base" hangingPunct="0">
+              <a:spcBef>
+                <a:spcPct val="0"/>
+              </a:spcBef>
+              <a:spcAft>
+                <a:spcPct val="0"/>
+              </a:spcAft>
+              <a:defRPr sz="3500">
+                <a:solidFill>
+                  <a:schemeClr val="tx1"/>
+                </a:solidFill>
+                <a:latin typeface="Arial" panose="020B0604020202020204" pitchFamily="34" charset="0"/>
+              </a:defRPr>
+            </a:lvl7pPr>
+            <a:lvl8pPr marL="3429000" indent="-228600" defTabSz="4389438" eaLnBrk="0" fontAlgn="base" hangingPunct="0">
+              <a:spcBef>
+                <a:spcPct val="0"/>
+              </a:spcBef>
+              <a:spcAft>
+                <a:spcPct val="0"/>
+              </a:spcAft>
+              <a:defRPr sz="3500">
+                <a:solidFill>
+                  <a:schemeClr val="tx1"/>
+                </a:solidFill>
+                <a:latin typeface="Arial" panose="020B0604020202020204" pitchFamily="34" charset="0"/>
+              </a:defRPr>
+            </a:lvl8pPr>
+            <a:lvl9pPr marL="3886200" indent="-228600" defTabSz="4389438" eaLnBrk="0" fontAlgn="base" hangingPunct="0">
+              <a:spcBef>
+                <a:spcPct val="0"/>
+              </a:spcBef>
+              <a:spcAft>
+                <a:spcPct val="0"/>
+              </a:spcAft>
+              <a:defRPr sz="3500">
+                <a:solidFill>
+                  <a:schemeClr val="tx1"/>
+                </a:solidFill>
+                <a:latin typeface="Arial" panose="020B0604020202020204" pitchFamily="34" charset="0"/>
+              </a:defRPr>
+            </a:lvl9pPr>
+          </a:lstStyle>
+          <a:p>
+            <a:pPr algn="ctr" eaLnBrk="1" hangingPunct="1">
+              <a:spcBef>
+                <a:spcPct val="50000"/>
+              </a:spcBef>
+              <a:defRPr/>
+            </a:pPr>
+            <a:r>
+              <a:rPr lang="en-US" altLang="en-US" sz="4000" dirty="0">
+                <a:latin typeface="Times New Roman" panose="02020603050405020304" pitchFamily="18" charset="0"/>
+                <a:cs typeface="Times New Roman" panose="02020603050405020304" pitchFamily="18" charset="0"/>
+              </a:rPr>
+              <a:t>The model picks up on a platoon advantage for RHP, but outputs similar out-values for LHP regardless of batter handedness. From our first model, the best RHP combination was a fastball setting up a cutter. For LHP, it was a slider setting up a slider.</a:t>
+            </a:r>
+          </a:p>
+          <a:p>
+            <a:pPr eaLnBrk="1" hangingPunct="1">
+              <a:spcBef>
+                <a:spcPct val="50000"/>
+              </a:spcBef>
+              <a:defRPr/>
+            </a:pPr>
+            <a:endParaRPr lang="en-US" altLang="en-US" sz="2625" dirty="0"/>
+          </a:p>
+          <a:p>
+            <a:pPr eaLnBrk="1" hangingPunct="1">
+              <a:spcBef>
+                <a:spcPct val="50000"/>
+              </a:spcBef>
+              <a:defRPr/>
+            </a:pPr>
+            <a:endParaRPr lang="en-US" altLang="en-US" sz="2625" dirty="0"/>
+          </a:p>
+        </p:txBody>
+      </p:sp>
     </p:spTree>
     <p:custDataLst>
       <p:tags r:id="rId1"/>
@@ -7348,28 +8188,6 @@
 </file>
 
 <file path=customXml/item1.xml><?xml version="1.0" encoding="utf-8"?>
-<?mso-contentType ?>
-<FormTemplates xmlns="http://schemas.microsoft.com/sharepoint/v3/contenttype/forms">
-  <Display>DocumentLibraryForm</Display>
-  <Edit>DocumentLibraryForm</Edit>
-  <New>DocumentLibraryForm</New>
-</FormTemplates>
-</file>
-
-<file path=customXml/item2.xml><?xml version="1.0" encoding="utf-8"?>
-<p:properties xmlns:p="http://schemas.microsoft.com/office/2006/metadata/properties" xmlns:xsi="http://www.w3.org/2001/XMLSchema-instance" xmlns:pc="http://schemas.microsoft.com/office/infopath/2007/PartnerControls">
-  <documentManagement>
-    <lcf76f155ced4ddcb4097134ff3c332f xmlns="432c9ae6-48dd-4486-8b85-83541b859355">
-      <Terms xmlns="http://schemas.microsoft.com/office/infopath/2007/PartnerControls"/>
-    </lcf76f155ced4ddcb4097134ff3c332f>
-    <_ip_UnifiedCompliancePolicyUIAction xmlns="http://schemas.microsoft.com/sharepoint/v3" xsi:nil="true"/>
-    <_ip_UnifiedCompliancePolicyProperties xmlns="http://schemas.microsoft.com/sharepoint/v3" xsi:nil="true"/>
-    <TaxCatchAll xmlns="a2a134d7-a3fd-4e58-af33-3a5d85c34cdc" xsi:nil="true"/>
-  </documentManagement>
-</p:properties>
-</file>
-
-<file path=customXml/item3.xml><?xml version="1.0" encoding="utf-8"?>
 <ct:contentTypeSchema xmlns:ct="http://schemas.microsoft.com/office/2006/metadata/contentType" xmlns:ma="http://schemas.microsoft.com/office/2006/metadata/properties/metaAttributes" ct:_="" ma:_="" ma:contentTypeName="Document" ma:contentTypeID="0x01010080DC43198397F74FA96F4624C25DDAF9" ma:contentTypeVersion="20" ma:contentTypeDescription="Create a new document." ma:contentTypeScope="" ma:versionID="0bac7c72ba460a3d8f5d0e3abd222965">
   <xsd:schema xmlns:xsd="http://www.w3.org/2001/XMLSchema" xmlns:xs="http://www.w3.org/2001/XMLSchema" xmlns:p="http://schemas.microsoft.com/office/2006/metadata/properties" xmlns:ns1="http://schemas.microsoft.com/sharepoint/v3" xmlns:ns2="432c9ae6-48dd-4486-8b85-83541b859355" xmlns:ns3="a2a134d7-a3fd-4e58-af33-3a5d85c34cdc" targetNamespace="http://schemas.microsoft.com/office/2006/metadata/properties" ma:root="true" ma:fieldsID="b5d061b071a232ba6d39523e25140eed" ns1:_="" ns2:_="" ns3:_="">
     <xsd:import namespace="http://schemas.microsoft.com/sharepoint/v3"/>
@@ -7641,10 +8459,44 @@
 </ct:contentTypeSchema>
 </file>
 
+<file path=customXml/item2.xml><?xml version="1.0" encoding="utf-8"?>
+<p:properties xmlns:p="http://schemas.microsoft.com/office/2006/metadata/properties" xmlns:xsi="http://www.w3.org/2001/XMLSchema-instance" xmlns:pc="http://schemas.microsoft.com/office/infopath/2007/PartnerControls">
+  <documentManagement>
+    <lcf76f155ced4ddcb4097134ff3c332f xmlns="432c9ae6-48dd-4486-8b85-83541b859355">
+      <Terms xmlns="http://schemas.microsoft.com/office/infopath/2007/PartnerControls"/>
+    </lcf76f155ced4ddcb4097134ff3c332f>
+    <_ip_UnifiedCompliancePolicyUIAction xmlns="http://schemas.microsoft.com/sharepoint/v3" xsi:nil="true"/>
+    <_ip_UnifiedCompliancePolicyProperties xmlns="http://schemas.microsoft.com/sharepoint/v3" xsi:nil="true"/>
+    <TaxCatchAll xmlns="a2a134d7-a3fd-4e58-af33-3a5d85c34cdc" xsi:nil="true"/>
+  </documentManagement>
+</p:properties>
+</file>
+
+<file path=customXml/item3.xml><?xml version="1.0" encoding="utf-8"?>
+<?mso-contentType ?>
+<FormTemplates xmlns="http://schemas.microsoft.com/sharepoint/v3/contenttype/forms">
+  <Display>DocumentLibraryForm</Display>
+  <Edit>DocumentLibraryForm</Edit>
+  <New>DocumentLibraryForm</New>
+</FormTemplates>
+</file>
+
 <file path=customXml/itemProps1.xml><?xml version="1.0" encoding="utf-8"?>
-<ds:datastoreItem xmlns:ds="http://schemas.openxmlformats.org/officeDocument/2006/customXml" ds:itemID="{D36A9C53-A35C-4AF3-B596-6D74DEE60EF4}">
+<ds:datastoreItem xmlns:ds="http://schemas.openxmlformats.org/officeDocument/2006/customXml" ds:itemID="{3D953379-E1DE-4510-88E8-9547E26E5805}">
   <ds:schemaRefs>
-    <ds:schemaRef ds:uri="http://schemas.microsoft.com/sharepoint/v3/contenttype/forms"/>
+    <ds:schemaRef ds:uri="http://schemas.microsoft.com/office/2006/metadata/contentType"/>
+    <ds:schemaRef ds:uri="http://schemas.microsoft.com/office/2006/metadata/properties/metaAttributes"/>
+    <ds:schemaRef ds:uri="http://www.w3.org/2001/XMLSchema"/>
+    <ds:schemaRef ds:uri="http://schemas.microsoft.com/office/2006/metadata/properties"/>
+    <ds:schemaRef ds:uri="http://schemas.microsoft.com/sharepoint/v3"/>
+    <ds:schemaRef ds:uri="432c9ae6-48dd-4486-8b85-83541b859355"/>
+    <ds:schemaRef ds:uri="a2a134d7-a3fd-4e58-af33-3a5d85c34cdc"/>
+    <ds:schemaRef ds:uri="http://schemas.microsoft.com/office/2006/documentManagement/types"/>
+    <ds:schemaRef ds:uri="http://schemas.microsoft.com/office/infopath/2007/PartnerControls"/>
+    <ds:schemaRef ds:uri="http://schemas.openxmlformats.org/package/2006/metadata/core-properties"/>
+    <ds:schemaRef ds:uri="http://purl.org/dc/elements/1.1/"/>
+    <ds:schemaRef ds:uri="http://purl.org/dc/terms/"/>
+    <ds:schemaRef ds:uri="http://schemas.microsoft.com/internal/obd"/>
   </ds:schemaRefs>
 </ds:datastoreItem>
 </file>
@@ -7662,21 +8514,9 @@
 </file>
 
 <file path=customXml/itemProps3.xml><?xml version="1.0" encoding="utf-8"?>
-<ds:datastoreItem xmlns:ds="http://schemas.openxmlformats.org/officeDocument/2006/customXml" ds:itemID="{3D953379-E1DE-4510-88E8-9547E26E5805}">
+<ds:datastoreItem xmlns:ds="http://schemas.openxmlformats.org/officeDocument/2006/customXml" ds:itemID="{D36A9C53-A35C-4AF3-B596-6D74DEE60EF4}">
   <ds:schemaRefs>
-    <ds:schemaRef ds:uri="http://schemas.microsoft.com/office/2006/metadata/contentType"/>
-    <ds:schemaRef ds:uri="http://schemas.microsoft.com/office/2006/metadata/properties/metaAttributes"/>
-    <ds:schemaRef ds:uri="http://www.w3.org/2001/XMLSchema"/>
-    <ds:schemaRef ds:uri="http://schemas.microsoft.com/office/2006/metadata/properties"/>
-    <ds:schemaRef ds:uri="http://schemas.microsoft.com/sharepoint/v3"/>
-    <ds:schemaRef ds:uri="432c9ae6-48dd-4486-8b85-83541b859355"/>
-    <ds:schemaRef ds:uri="a2a134d7-a3fd-4e58-af33-3a5d85c34cdc"/>
-    <ds:schemaRef ds:uri="http://schemas.microsoft.com/office/2006/documentManagement/types"/>
-    <ds:schemaRef ds:uri="http://schemas.microsoft.com/office/infopath/2007/PartnerControls"/>
-    <ds:schemaRef ds:uri="http://schemas.openxmlformats.org/package/2006/metadata/core-properties"/>
-    <ds:schemaRef ds:uri="http://purl.org/dc/elements/1.1/"/>
-    <ds:schemaRef ds:uri="http://purl.org/dc/terms/"/>
-    <ds:schemaRef ds:uri="http://schemas.microsoft.com/internal/obd"/>
+    <ds:schemaRef ds:uri="http://schemas.microsoft.com/sharepoint/v3/contenttype/forms"/>
   </ds:schemaRefs>
 </ds:datastoreItem>
 </file>
--- a/CMSAC Poster.pptx
+++ b/CMSAC Poster.pptx
@@ -3649,10 +3649,10 @@
       </p:grpSpPr>
       <p:pic>
         <p:nvPicPr>
-          <p:cNvPr id="2066" name="Picture 2065">
+          <p:cNvPr id="18" name="Picture 17">
             <a:extLst>
               <a:ext uri="{FF2B5EF4-FFF2-40B4-BE49-F238E27FC236}">
-                <a16:creationId xmlns:a16="http://schemas.microsoft.com/office/drawing/2014/main" id="{4DCD481E-5C22-D99F-5F22-BC0DC6B5EB59}"/>
+                <a16:creationId xmlns:a16="http://schemas.microsoft.com/office/drawing/2014/main" id="{CB829856-732D-6520-0DB9-840647527B68}"/>
               </a:ext>
             </a:extLst>
           </p:cNvPr>
@@ -3669,6 +3669,36 @@
         </p:blipFill>
         <p:spPr>
           <a:xfrm>
+            <a:off x="340071" y="18342785"/>
+            <a:ext cx="5924550" cy="5229225"/>
+          </a:xfrm>
+          <a:prstGeom prst="rect">
+            <a:avLst/>
+          </a:prstGeom>
+        </p:spPr>
+      </p:pic>
+      <p:pic>
+        <p:nvPicPr>
+          <p:cNvPr id="2066" name="Picture 2065">
+            <a:extLst>
+              <a:ext uri="{FF2B5EF4-FFF2-40B4-BE49-F238E27FC236}">
+                <a16:creationId xmlns:a16="http://schemas.microsoft.com/office/drawing/2014/main" id="{4DCD481E-5C22-D99F-5F22-BC0DC6B5EB59}"/>
+              </a:ext>
+            </a:extLst>
+          </p:cNvPr>
+          <p:cNvPicPr>
+            <a:picLocks noChangeAspect="1"/>
+          </p:cNvPicPr>
+          <p:nvPr/>
+        </p:nvPicPr>
+        <p:blipFill>
+          <a:blip r:embed="rId4"/>
+          <a:stretch>
+            <a:fillRect/>
+          </a:stretch>
+        </p:blipFill>
+        <p:spPr>
+          <a:xfrm>
             <a:off x="26458609" y="16281364"/>
             <a:ext cx="3596850" cy="3177585"/>
           </a:xfrm>
@@ -3692,7 +3722,7 @@
           <p:nvPr/>
         </p:nvPicPr>
         <p:blipFill>
-          <a:blip r:embed="rId4"/>
+          <a:blip r:embed="rId5"/>
           <a:stretch>
             <a:fillRect/>
           </a:stretch>
@@ -3722,7 +3752,7 @@
           <p:nvPr/>
         </p:nvPicPr>
         <p:blipFill>
-          <a:blip r:embed="rId5"/>
+          <a:blip r:embed="rId6"/>
           <a:stretch>
             <a:fillRect/>
           </a:stretch>
@@ -3904,8 +3934,15 @@
                 <a:latin typeface="Times New Roman" panose="02020603050405020304" pitchFamily="18" charset="0"/>
                 <a:cs typeface="Times New Roman" panose="02020603050405020304" pitchFamily="18" charset="0"/>
               </a:rPr>
-              <a:t>Sebastian Kirkpatrick                    Gregory Matthews</a:t>
-            </a:r>
+              <a:t>Sebastian Kirkpatrick               Gregory J. Matthews               Mena CR. Whalen</a:t>
+            </a:r>
+            <a:endParaRPr lang="en-US" altLang="en-US" sz="3150" b="1" dirty="0">
+              <a:solidFill>
+                <a:schemeClr val="bg1"/>
+              </a:solidFill>
+              <a:latin typeface="Times New Roman" panose="02020603050405020304" pitchFamily="18" charset="0"/>
+              <a:cs typeface="Times New Roman" panose="02020603050405020304" pitchFamily="18" charset="0"/>
+            </a:endParaRPr>
           </a:p>
           <a:p>
             <a:pPr algn="ctr" eaLnBrk="1" hangingPunct="1">
@@ -3919,7 +3956,7 @@
                 <a:latin typeface="Times New Roman" panose="02020603050405020304" pitchFamily="18" charset="0"/>
                 <a:cs typeface="Times New Roman" panose="02020603050405020304" pitchFamily="18" charset="0"/>
               </a:rPr>
-              <a:t>                          Loyola University Chicago            Loyola University Chicago </a:t>
+              <a:t>      Loyola University Chicago </a:t>
             </a:r>
             <a:endParaRPr lang="en-US" altLang="en-US" sz="3150" b="1" dirty="0">
               <a:solidFill>
@@ -3941,8 +3978,8 @@
         </p:nvSpPr>
         <p:spPr bwMode="auto">
           <a:xfrm>
-            <a:off x="13571269" y="6269093"/>
-            <a:ext cx="9670475" cy="3506730"/>
+            <a:off x="13571270" y="6038020"/>
+            <a:ext cx="8806378" cy="3198954"/>
           </a:xfrm>
           <a:prstGeom prst="rect">
             <a:avLst/>
@@ -4074,20 +4111,20 @@
             </a:lvl9pPr>
           </a:lstStyle>
           <a:p>
-            <a:pPr eaLnBrk="1" hangingPunct="1">
+            <a:pPr algn="ctr" eaLnBrk="1" hangingPunct="1">
               <a:spcBef>
                 <a:spcPct val="50000"/>
               </a:spcBef>
               <a:defRPr/>
             </a:pPr>
             <a:r>
-              <a:rPr lang="en-US" altLang="en-US" sz="4400" dirty="0">
+              <a:rPr lang="en-US" altLang="en-US" sz="4000" dirty="0">
                 <a:latin typeface="Times New Roman" panose="02020603050405020304" pitchFamily="18" charset="0"/>
                 <a:cs typeface="Times New Roman" panose="02020603050405020304" pitchFamily="18" charset="0"/>
               </a:rPr>
-              <a:t>We modeled the performance of a pitch on the change in out probability. That value difference is calculated from a 3-year rolling average of out probability based on the state of the count.</a:t>
-            </a:r>
-            <a:endParaRPr lang="en-US" altLang="en-US" sz="2625" dirty="0"/>
+              <a:t>We evaluated the performance of a pitch on the change in out probability. That value is calculated from a 3-year rolling average of out probability based on the state of the count.</a:t>
+            </a:r>
+            <a:endParaRPr lang="en-US" altLang="en-US" sz="2400" dirty="0"/>
           </a:p>
         </p:txBody>
       </p:sp>
@@ -4461,8 +4498,8 @@
         </p:nvSpPr>
         <p:spPr bwMode="auto">
           <a:xfrm>
-            <a:off x="15205498" y="28700560"/>
-            <a:ext cx="13478616" cy="4420442"/>
+            <a:off x="15102879" y="28700560"/>
+            <a:ext cx="14549537" cy="3814507"/>
           </a:xfrm>
           <a:prstGeom prst="rect">
             <a:avLst/>
@@ -4605,17 +4642,8 @@
                 <a:latin typeface="Times New Roman" panose="02020603050405020304" pitchFamily="18" charset="0"/>
                 <a:cs typeface="Times New Roman" panose="02020603050405020304" pitchFamily="18" charset="0"/>
               </a:rPr>
-              <a:t>For RHP, the best combination was Fastball 1 setting up Cutter 3. In 2023, Jack Flaherty threw that combination the most.  For LHP, the best combination was two different sliders: Slider 4 setting up Slider 5. The primary user of that combination in 2023 was Sean Manaea. While both of those guys had poor 2023 seasons, their 2024 seasons have been much more favorable.</a:t>
-            </a:r>
-            <a:endParaRPr lang="en-US" altLang="en-US" sz="2625" dirty="0"/>
-          </a:p>
-          <a:p>
-            <a:pPr eaLnBrk="1" hangingPunct="1">
-              <a:spcBef>
-                <a:spcPct val="50000"/>
-              </a:spcBef>
-              <a:defRPr/>
-            </a:pPr>
+              <a:t>For RHP, the best combination was Four-Seam 1 setting up Cutter 3. In 2023, Jack Flaherty threw that combination the most.  For LHP, the best combination was two different sliders: Slider 4 setting up Slider 5. The primary user of that combination in 2023 was Sean Manaea. While both of those guys had poor 2023 seasons, their 2024 seasons have been much more favorable.</a:t>
+            </a:r>
             <a:endParaRPr lang="en-US" altLang="en-US" sz="2625" dirty="0"/>
           </a:p>
         </p:txBody>
@@ -4631,7 +4659,7 @@
         <p:spPr bwMode="auto">
           <a:xfrm>
             <a:off x="346075" y="5946775"/>
-            <a:ext cx="12452353" cy="7507826"/>
+            <a:ext cx="12452353" cy="9662261"/>
           </a:xfrm>
           <a:prstGeom prst="rect">
             <a:avLst/>
@@ -4774,7 +4802,7 @@
                 <a:latin typeface="Times New Roman" panose="02020603050405020304" pitchFamily="18" charset="0"/>
                 <a:cs typeface="Times New Roman" panose="02020603050405020304" pitchFamily="18" charset="0"/>
               </a:rPr>
-              <a:t>Before a hitter swings at the ball and even before the pitcher releases it toward the plate, a crucial decision has already been made: the type of pitch to be thrown. In this study, we analyze </a:t>
+              <a:t>One facet of pitching strategy in Major League Baseball is to deceive hitter by varying the type of pitches thrown. We are interested in the best sequences of these pitch types. MLB collects the data of each pitch using </a:t>
             </a:r>
             <a:r>
               <a:rPr lang="en-US" altLang="en-US" sz="4000" dirty="0" err="1">
@@ -4788,7 +4816,7 @@
                 <a:latin typeface="Times New Roman" panose="02020603050405020304" pitchFamily="18" charset="0"/>
                 <a:cs typeface="Times New Roman" panose="02020603050405020304" pitchFamily="18" charset="0"/>
               </a:rPr>
-              <a:t> data from all pitches thrown by MLB staters in in 2023 to determine which combinations of pitch types are most effective at getting batters out. </a:t>
+              <a:t>, including physical characteristics (e.g. release speed, spin rate, vertical/horizontal movement) and pitch type.</a:t>
             </a:r>
           </a:p>
           <a:p>
@@ -4803,16 +4831,8 @@
                 <a:latin typeface="Times New Roman" panose="02020603050405020304" pitchFamily="18" charset="0"/>
                 <a:cs typeface="Times New Roman" panose="02020603050405020304" pitchFamily="18" charset="0"/>
               </a:rPr>
-              <a:t>By focusing on clusters within pitch types rather than individual pitches, we aim to uncover better insights into league-wide characteristics of each type of pitch. </a:t>
-            </a:r>
-          </a:p>
-          <a:p>
-            <a:pPr eaLnBrk="1" hangingPunct="1">
-              <a:spcBef>
-                <a:spcPct val="50000"/>
-              </a:spcBef>
-              <a:defRPr/>
-            </a:pPr>
+              <a:t>Previous work [1] has shown that there are subtypes found within each observed pitch types that are not recorded by  </a:t>
+            </a:r>
             <a:r>
               <a:rPr lang="en-US" altLang="en-US" sz="4000" dirty="0" err="1">
                 <a:latin typeface="Times New Roman" panose="02020603050405020304" pitchFamily="18" charset="0"/>
@@ -4825,6 +4845,43 @@
                 <a:latin typeface="Times New Roman" panose="02020603050405020304" pitchFamily="18" charset="0"/>
                 <a:cs typeface="Times New Roman" panose="02020603050405020304" pitchFamily="18" charset="0"/>
               </a:rPr>
+              <a:t>. Using the physical characteristics of the pitches, we employed clustering to identify these subtypes.</a:t>
+            </a:r>
+          </a:p>
+          <a:p>
+            <a:pPr eaLnBrk="1" hangingPunct="1">
+              <a:spcBef>
+                <a:spcPct val="50000"/>
+              </a:spcBef>
+              <a:defRPr/>
+            </a:pPr>
+            <a:r>
+              <a:rPr lang="en-US" altLang="en-US" sz="4000" dirty="0">
+                <a:latin typeface="Times New Roman" panose="02020603050405020304" pitchFamily="18" charset="0"/>
+                <a:cs typeface="Times New Roman" panose="02020603050405020304" pitchFamily="18" charset="0"/>
+              </a:rPr>
+              <a:t>With the subtype classification, we explored the effectives of different subtypes sequences during the 2023 season.</a:t>
+            </a:r>
+          </a:p>
+          <a:p>
+            <a:pPr eaLnBrk="1" hangingPunct="1">
+              <a:spcBef>
+                <a:spcPct val="50000"/>
+              </a:spcBef>
+              <a:defRPr/>
+            </a:pPr>
+            <a:r>
+              <a:rPr lang="en-US" altLang="en-US" sz="4000" dirty="0" err="1">
+                <a:latin typeface="Times New Roman" panose="02020603050405020304" pitchFamily="18" charset="0"/>
+                <a:cs typeface="Times New Roman" panose="02020603050405020304" pitchFamily="18" charset="0"/>
+              </a:rPr>
+              <a:t>Statcast</a:t>
+            </a:r>
+            <a:r>
+              <a:rPr lang="en-US" altLang="en-US" sz="4000" dirty="0">
+                <a:latin typeface="Times New Roman" panose="02020603050405020304" pitchFamily="18" charset="0"/>
+                <a:cs typeface="Times New Roman" panose="02020603050405020304" pitchFamily="18" charset="0"/>
+              </a:rPr>
               <a:t> data can be accessed via the </a:t>
             </a:r>
             <a:r>
@@ -4845,7 +4902,7 @@
               <a:rPr lang="en-US" altLang="en-US" sz="4000" dirty="0">
                 <a:latin typeface="Times New Roman" panose="02020603050405020304" pitchFamily="18" charset="0"/>
                 <a:cs typeface="Times New Roman" panose="02020603050405020304" pitchFamily="18" charset="0"/>
-                <a:hlinkClick r:id="rId6"/>
+                <a:hlinkClick r:id="rId7"/>
               </a:rPr>
               <a:t>https://billpetti.github.io/baseballr/</a:t>
             </a:r>
@@ -5053,7 +5110,7 @@
         </p:nvSpPr>
         <p:spPr bwMode="auto">
           <a:xfrm>
-            <a:off x="346073" y="16891248"/>
+            <a:off x="346075" y="17107725"/>
             <a:ext cx="12382501" cy="823912"/>
           </a:xfrm>
           <a:prstGeom prst="rect">
@@ -5233,8 +5290,8 @@
         </p:nvSpPr>
         <p:spPr bwMode="auto">
           <a:xfrm>
-            <a:off x="378644" y="23550644"/>
-            <a:ext cx="12314239" cy="2583401"/>
+            <a:off x="311145" y="23149685"/>
+            <a:ext cx="12452353" cy="3814507"/>
           </a:xfrm>
           <a:prstGeom prst="rect">
             <a:avLst/>
@@ -5377,7 +5434,7 @@
                 <a:latin typeface="Times New Roman" panose="02020603050405020304" pitchFamily="18" charset="0"/>
                 <a:cs typeface="Times New Roman" panose="02020603050405020304" pitchFamily="18" charset="0"/>
               </a:rPr>
-              <a:t>Some pitches were not thrown enough to cluster, so we aggregated some of the primary types. Knuckle-Curve was added to Curveball, Splitter was added to Changeup, and Sweeper and Slurve into Slider.</a:t>
+              <a:t>Due to low sample sizes of specific pitch types, we combined low-count types into broader types. Knuckle-Curve (KC) was added to Curveball, Splitter (FS) to Changeup, and Sweeper (ST) and Slurve (SL) to Slider, creating 6 primary types: Changeup (CH), Curveball (CU), Cutter (FC), Four-Seam (FF), Sinker (SI), and Slider (SL).</a:t>
             </a:r>
             <a:endParaRPr lang="en-US" altLang="en-US" sz="2625" dirty="0"/>
           </a:p>
@@ -5731,7 +5788,7 @@
                 <a:latin typeface="Times New Roman" panose="02020603050405020304" pitchFamily="18" charset="0"/>
                 <a:cs typeface="Times New Roman" panose="02020603050405020304" pitchFamily="18" charset="0"/>
               </a:rPr>
-              <a:t>Discussions</a:t>
+              <a:t>Discussion &amp; Future Work</a:t>
             </a:r>
             <a:endParaRPr lang="en-US" altLang="en-US" sz="1800" b="1" dirty="0">
               <a:solidFill>
@@ -5753,8 +5810,8 @@
         </p:nvSpPr>
         <p:spPr bwMode="auto">
           <a:xfrm>
-            <a:off x="31090806" y="19589619"/>
-            <a:ext cx="10873017" cy="5858336"/>
+            <a:off x="31092772" y="19058271"/>
+            <a:ext cx="12344766" cy="6941966"/>
           </a:xfrm>
           <a:prstGeom prst="rect">
             <a:avLst/>
@@ -5888,7 +5945,7 @@
           <a:p>
             <a:pPr marL="571500" indent="-571500" eaLnBrk="1" hangingPunct="1">
               <a:lnSpc>
-                <a:spcPct val="150000"/>
+                <a:spcPts val="7000"/>
               </a:lnSpc>
               <a:spcBef>
                 <a:spcPct val="50000"/>
@@ -5902,13 +5959,13 @@
                 <a:latin typeface="Times New Roman" panose="02020603050405020304" pitchFamily="18" charset="0"/>
                 <a:cs typeface="Times New Roman" panose="02020603050405020304" pitchFamily="18" charset="0"/>
               </a:rPr>
-              <a:t>Classification of pitcher subtype decision</a:t>
-            </a:r>
-          </a:p>
-          <a:p>
-            <a:pPr marL="571500" indent="-571500" eaLnBrk="1" hangingPunct="1">
+              <a:t>How could this help a player/team?</a:t>
+            </a:r>
+          </a:p>
+          <a:p>
+            <a:pPr marL="1314450" lvl="1" indent="-571500" eaLnBrk="1" hangingPunct="1">
               <a:lnSpc>
-                <a:spcPct val="150000"/>
+                <a:spcPts val="7000"/>
               </a:lnSpc>
               <a:spcBef>
                 <a:spcPct val="50000"/>
@@ -5922,13 +5979,13 @@
                 <a:latin typeface="Times New Roman" panose="02020603050405020304" pitchFamily="18" charset="0"/>
                 <a:cs typeface="Times New Roman" panose="02020603050405020304" pitchFamily="18" charset="0"/>
               </a:rPr>
-              <a:t>Changing the clustering criteria</a:t>
-            </a:r>
-          </a:p>
-          <a:p>
-            <a:pPr marL="571500" indent="-571500" eaLnBrk="1" hangingPunct="1">
+              <a:t>In-game sequencing decisions</a:t>
+            </a:r>
+          </a:p>
+          <a:p>
+            <a:pPr marL="1314450" lvl="1" indent="-571500" eaLnBrk="1" hangingPunct="1">
               <a:lnSpc>
-                <a:spcPct val="150000"/>
+                <a:spcPts val="7000"/>
               </a:lnSpc>
               <a:spcBef>
                 <a:spcPct val="50000"/>
@@ -5942,13 +5999,13 @@
                 <a:latin typeface="Times New Roman" panose="02020603050405020304" pitchFamily="18" charset="0"/>
                 <a:cs typeface="Times New Roman" panose="02020603050405020304" pitchFamily="18" charset="0"/>
               </a:rPr>
-              <a:t>Different clustering techniques</a:t>
+              <a:t>Improved pitch design</a:t>
             </a:r>
           </a:p>
           <a:p>
             <a:pPr marL="571500" indent="-571500" eaLnBrk="1" hangingPunct="1">
               <a:lnSpc>
-                <a:spcPct val="150000"/>
+                <a:spcPts val="7000"/>
               </a:lnSpc>
               <a:spcBef>
                 <a:spcPct val="50000"/>
@@ -5962,13 +6019,13 @@
                 <a:latin typeface="Times New Roman" panose="02020603050405020304" pitchFamily="18" charset="0"/>
                 <a:cs typeface="Times New Roman" panose="02020603050405020304" pitchFamily="18" charset="0"/>
               </a:rPr>
-              <a:t>Alternatives to out-value</a:t>
+              <a:t>Consider different inputs for the clustering algorithm</a:t>
             </a:r>
           </a:p>
           <a:p>
             <a:pPr marL="571500" indent="-571500" eaLnBrk="1" hangingPunct="1">
               <a:lnSpc>
-                <a:spcPct val="150000"/>
+                <a:spcPts val="7000"/>
               </a:lnSpc>
               <a:spcBef>
                 <a:spcPct val="50000"/>
@@ -5982,7 +6039,27 @@
                 <a:latin typeface="Times New Roman" panose="02020603050405020304" pitchFamily="18" charset="0"/>
                 <a:cs typeface="Times New Roman" panose="02020603050405020304" pitchFamily="18" charset="0"/>
               </a:rPr>
-              <a:t>Clustering within pitcher</a:t>
+              <a:t>Pitch performance alternatives to out-value</a:t>
+            </a:r>
+          </a:p>
+          <a:p>
+            <a:pPr marL="571500" indent="-571500" eaLnBrk="1" hangingPunct="1">
+              <a:lnSpc>
+                <a:spcPts val="7000"/>
+              </a:lnSpc>
+              <a:spcBef>
+                <a:spcPct val="50000"/>
+              </a:spcBef>
+              <a:buFont typeface="Wingdings" panose="05000000000000000000" pitchFamily="2" charset="2"/>
+              <a:buChar char="q"/>
+              <a:defRPr/>
+            </a:pPr>
+            <a:r>
+              <a:rPr lang="en-US" altLang="en-US" sz="4000" dirty="0">
+                <a:latin typeface="Times New Roman" panose="02020603050405020304" pitchFamily="18" charset="0"/>
+                <a:cs typeface="Times New Roman" panose="02020603050405020304" pitchFamily="18" charset="0"/>
+              </a:rPr>
+              <a:t>Do changes in distribution of sequencing affect success?</a:t>
             </a:r>
             <a:endParaRPr lang="en-US" altLang="en-US" sz="2400" dirty="0">
               <a:latin typeface="Times New Roman" panose="02020603050405020304" pitchFamily="18" charset="0"/>
@@ -6006,14 +6083,14 @@
           <p:nvPr/>
         </p:nvPicPr>
         <p:blipFill>
-          <a:blip r:embed="rId7"/>
+          <a:blip r:embed="rId8"/>
           <a:stretch>
             <a:fillRect/>
           </a:stretch>
         </p:blipFill>
         <p:spPr>
           <a:xfrm>
-            <a:off x="346075" y="430039"/>
+            <a:off x="631232" y="430039"/>
             <a:ext cx="2511771" cy="2511771"/>
           </a:xfrm>
           <a:prstGeom prst="rect">
@@ -6222,14 +6299,14 @@
           <p:nvPr/>
         </p:nvPicPr>
         <p:blipFill>
-          <a:blip r:embed="rId8"/>
+          <a:blip r:embed="rId9"/>
           <a:stretch>
             <a:fillRect/>
           </a:stretch>
         </p:blipFill>
         <p:spPr>
           <a:xfrm>
-            <a:off x="22953712" y="5884783"/>
+            <a:off x="22953713" y="5755781"/>
             <a:ext cx="7296368" cy="3864794"/>
           </a:xfrm>
           <a:prstGeom prst="rect">
@@ -6253,8 +6330,8 @@
         </p:nvSpPr>
         <p:spPr bwMode="auto">
           <a:xfrm>
-            <a:off x="13376648" y="10561187"/>
-            <a:ext cx="16678811" cy="3506730"/>
+            <a:off x="13571270" y="9786199"/>
+            <a:ext cx="16678811" cy="5045613"/>
           </a:xfrm>
           <a:prstGeom prst="rect">
             <a:avLst/>
@@ -6386,20 +6463,58 @@
             </a:lvl9pPr>
           </a:lstStyle>
           <a:p>
-            <a:pPr algn="ctr" eaLnBrk="1" hangingPunct="1">
+            <a:pPr marL="571500" indent="-571500" eaLnBrk="1" hangingPunct="1">
               <a:spcBef>
                 <a:spcPct val="50000"/>
               </a:spcBef>
+              <a:buFont typeface="Arial" panose="020B0604020202020204" pitchFamily="34" charset="0"/>
+              <a:buChar char="•"/>
               <a:defRPr/>
             </a:pPr>
             <a:r>
-              <a:rPr lang="en-US" altLang="en-US" sz="4400" dirty="0">
+              <a:rPr lang="en-US" altLang="en-US" sz="4000" dirty="0">
                 <a:latin typeface="Times New Roman" panose="02020603050405020304" pitchFamily="18" charset="0"/>
                 <a:cs typeface="Times New Roman" panose="02020603050405020304" pitchFamily="18" charset="0"/>
               </a:rPr>
-              <a:t>We built mixed effects models separate for RHP and LHP. First, we used the full dataset to find the primary pitch types that were most effective. Then, we took the specific primary type pairing and built a second mixed effects model using subtype as the new predictors. To find the best pairing, we generated prediction intervals of the interaction effect.</a:t>
-            </a:r>
-            <a:endParaRPr lang="en-US" altLang="en-US" sz="2625" dirty="0"/>
+              <a:t>Model 1: Mixed effects model predicting out-value as a function of pitch type and previous pitch type, controlling for the game state with fixed effects and random effects for pitcher, batter, and park.</a:t>
+            </a:r>
+          </a:p>
+          <a:p>
+            <a:pPr marL="571500" indent="-571500" eaLnBrk="1" hangingPunct="1">
+              <a:spcBef>
+                <a:spcPct val="50000"/>
+              </a:spcBef>
+              <a:buFont typeface="Arial" panose="020B0604020202020204" pitchFamily="34" charset="0"/>
+              <a:buChar char="•"/>
+              <a:defRPr/>
+            </a:pPr>
+            <a:r>
+              <a:rPr lang="en-US" altLang="en-US" sz="4000" dirty="0">
+                <a:latin typeface="Times New Roman" panose="02020603050405020304" pitchFamily="18" charset="0"/>
+                <a:cs typeface="Times New Roman" panose="02020603050405020304" pitchFamily="18" charset="0"/>
+              </a:rPr>
+              <a:t>Model 2: Same as Model 1, but using subtype instead of primary type.</a:t>
+            </a:r>
+            <a:endParaRPr lang="en-US" altLang="en-US" sz="3600" dirty="0">
+              <a:latin typeface="Times New Roman" panose="02020603050405020304" pitchFamily="18" charset="0"/>
+              <a:cs typeface="Times New Roman" panose="02020603050405020304" pitchFamily="18" charset="0"/>
+            </a:endParaRPr>
+          </a:p>
+          <a:p>
+            <a:pPr algn="ctr" eaLnBrk="1" hangingPunct="1">
+              <a:spcBef>
+                <a:spcPct val="50000"/>
+              </a:spcBef>
+              <a:defRPr/>
+            </a:pPr>
+            <a:r>
+              <a:rPr lang="en-US" altLang="en-US" sz="4000" dirty="0">
+                <a:latin typeface="Times New Roman" panose="02020603050405020304" pitchFamily="18" charset="0"/>
+                <a:cs typeface="Times New Roman" panose="02020603050405020304" pitchFamily="18" charset="0"/>
+              </a:rPr>
+              <a:t>Model 1 was estimated using all of the pitching data. We then found the most effective primary pitch type combinations. For those combinations we built Model 2 using the subset of the pitches were those combination occurred. </a:t>
+            </a:r>
+            <a:endParaRPr lang="en-US" altLang="en-US" sz="2400" dirty="0"/>
           </a:p>
         </p:txBody>
       </p:sp>
@@ -6419,8 +6534,8 @@
         </p:nvSpPr>
         <p:spPr bwMode="auto">
           <a:xfrm>
-            <a:off x="31126902" y="27693724"/>
-            <a:ext cx="12314239" cy="4420442"/>
+            <a:off x="31126902" y="27469454"/>
+            <a:ext cx="12314239" cy="5045613"/>
           </a:xfrm>
           <a:prstGeom prst="rect">
             <a:avLst/>
@@ -6552,14 +6667,19 @@
             </a:lvl9pPr>
           </a:lstStyle>
           <a:p>
-            <a:pPr marL="571500" indent="-571500" eaLnBrk="1" hangingPunct="1">
+            <a:pPr eaLnBrk="1" hangingPunct="1">
               <a:spcBef>
                 <a:spcPct val="50000"/>
               </a:spcBef>
-              <a:buFont typeface="Arial" panose="020B0604020202020204" pitchFamily="34" charset="0"/>
-              <a:buChar char="•"/>
               <a:defRPr/>
             </a:pPr>
+            <a:r>
+              <a:rPr lang="en-US" altLang="en-US" sz="4000" dirty="0">
+                <a:latin typeface="Times New Roman" panose="02020603050405020304" pitchFamily="18" charset="0"/>
+                <a:cs typeface="Times New Roman" panose="02020603050405020304" pitchFamily="18" charset="0"/>
+              </a:rPr>
+              <a:t>[1] </a:t>
+            </a:r>
             <a:r>
               <a:rPr lang="en-US" altLang="en-US" sz="4000" dirty="0" err="1">
                 <a:latin typeface="Times New Roman" panose="02020603050405020304" pitchFamily="18" charset="0"/>
@@ -6590,12 +6710,10 @@
             </a:r>
           </a:p>
           <a:p>
-            <a:pPr marL="571500" indent="-571500" eaLnBrk="1" hangingPunct="1">
+            <a:pPr eaLnBrk="1" hangingPunct="1">
               <a:spcBef>
                 <a:spcPct val="50000"/>
               </a:spcBef>
-              <a:buFont typeface="Arial" panose="020B0604020202020204" pitchFamily="34" charset="0"/>
-              <a:buChar char="•"/>
               <a:defRPr/>
             </a:pPr>
             <a:r>
@@ -6603,7 +6721,7 @@
                 <a:latin typeface="Times New Roman" panose="02020603050405020304" pitchFamily="18" charset="0"/>
                 <a:cs typeface="Times New Roman" panose="02020603050405020304" pitchFamily="18" charset="0"/>
               </a:rPr>
-              <a:t>A</a:t>
+              <a:t>[2] Johnson, R., Wichern D. (2002). Applied Multivariate Statistical Analysis.</a:t>
             </a:r>
           </a:p>
           <a:p>
@@ -6613,54 +6731,17 @@
               </a:spcBef>
               <a:defRPr/>
             </a:pPr>
-            <a:endParaRPr lang="en-US" altLang="en-US" sz="4000" dirty="0">
-              <a:latin typeface="Times New Roman" panose="02020603050405020304" pitchFamily="18" charset="0"/>
-              <a:cs typeface="Times New Roman" panose="02020603050405020304" pitchFamily="18" charset="0"/>
-            </a:endParaRPr>
-          </a:p>
-          <a:p>
-            <a:pPr marL="571500" indent="-571500" eaLnBrk="1" hangingPunct="1">
-              <a:spcBef>
-                <a:spcPct val="50000"/>
-              </a:spcBef>
-              <a:buFont typeface="Arial" panose="020B0604020202020204" pitchFamily="34" charset="0"/>
-              <a:buChar char="•"/>
-              <a:defRPr/>
-            </a:pPr>
+            <a:r>
+              <a:rPr lang="en-US" altLang="en-US" sz="4000" dirty="0">
+                <a:latin typeface="Times New Roman" panose="02020603050405020304" pitchFamily="18" charset="0"/>
+                <a:cs typeface="Times New Roman" panose="02020603050405020304" pitchFamily="18" charset="0"/>
+              </a:rPr>
+              <a:t>[3] Everitt, B., Horton T. (2011). An Introduction to Applied Multivariate Analysis with R.</a:t>
+            </a:r>
             <a:endParaRPr lang="en-US" altLang="en-US" sz="2625" dirty="0"/>
           </a:p>
         </p:txBody>
       </p:sp>
-      <p:pic>
-        <p:nvPicPr>
-          <p:cNvPr id="18" name="Picture 17">
-            <a:extLst>
-              <a:ext uri="{FF2B5EF4-FFF2-40B4-BE49-F238E27FC236}">
-                <a16:creationId xmlns:a16="http://schemas.microsoft.com/office/drawing/2014/main" id="{CB829856-732D-6520-0DB9-840647527B68}"/>
-              </a:ext>
-            </a:extLst>
-          </p:cNvPr>
-          <p:cNvPicPr>
-            <a:picLocks noChangeAspect="1"/>
-          </p:cNvPicPr>
-          <p:nvPr/>
-        </p:nvPicPr>
-        <p:blipFill>
-          <a:blip r:embed="rId9"/>
-          <a:stretch>
-            <a:fillRect/>
-          </a:stretch>
-        </p:blipFill>
-        <p:spPr>
-          <a:xfrm>
-            <a:off x="340071" y="18342785"/>
-            <a:ext cx="5924550" cy="5229225"/>
-          </a:xfrm>
-          <a:prstGeom prst="rect">
-            <a:avLst/>
-          </a:prstGeom>
-        </p:spPr>
-      </p:pic>
       <p:pic>
         <p:nvPicPr>
           <p:cNvPr id="20" name="Picture 19">
@@ -6683,128 +6764,8 @@
         </p:blipFill>
         <p:spPr>
           <a:xfrm>
-            <a:off x="1438733" y="26714501"/>
+            <a:off x="1440293" y="27204112"/>
             <a:ext cx="10194059" cy="5399665"/>
-          </a:xfrm>
-          <a:prstGeom prst="rect">
-            <a:avLst/>
-          </a:prstGeom>
-        </p:spPr>
-      </p:pic>
-      <p:pic>
-        <p:nvPicPr>
-          <p:cNvPr id="2052" name="Picture 2051">
-            <a:extLst>
-              <a:ext uri="{FF2B5EF4-FFF2-40B4-BE49-F238E27FC236}">
-                <a16:creationId xmlns:a16="http://schemas.microsoft.com/office/drawing/2014/main" id="{E7FEB2C0-7626-7EE8-1552-305AAB682738}"/>
-              </a:ext>
-            </a:extLst>
-          </p:cNvPr>
-          <p:cNvPicPr>
-            <a:picLocks noChangeAspect="1"/>
-          </p:cNvPicPr>
-          <p:nvPr/>
-        </p:nvPicPr>
-        <p:blipFill>
-          <a:blip r:embed="rId11"/>
-          <a:stretch>
-            <a:fillRect/>
-          </a:stretch>
-        </p:blipFill>
-        <p:spPr>
-          <a:xfrm>
-            <a:off x="31092772" y="15085669"/>
-            <a:ext cx="7990731" cy="3100505"/>
-          </a:xfrm>
-          <a:prstGeom prst="rect">
-            <a:avLst/>
-          </a:prstGeom>
-        </p:spPr>
-      </p:pic>
-      <p:pic>
-        <p:nvPicPr>
-          <p:cNvPr id="2055" name="Picture 2054">
-            <a:extLst>
-              <a:ext uri="{FF2B5EF4-FFF2-40B4-BE49-F238E27FC236}">
-                <a16:creationId xmlns:a16="http://schemas.microsoft.com/office/drawing/2014/main" id="{DE550315-8E60-679D-F7F3-4381A09A9F0F}"/>
-              </a:ext>
-            </a:extLst>
-          </p:cNvPr>
-          <p:cNvPicPr>
-            <a:picLocks noChangeAspect="1"/>
-          </p:cNvPicPr>
-          <p:nvPr/>
-        </p:nvPicPr>
-        <p:blipFill>
-          <a:blip r:embed="rId12"/>
-          <a:stretch>
-            <a:fillRect/>
-          </a:stretch>
-        </p:blipFill>
-        <p:spPr>
-          <a:xfrm>
-            <a:off x="35088138" y="11981198"/>
-            <a:ext cx="7990731" cy="3100504"/>
-          </a:xfrm>
-          <a:prstGeom prst="rect">
-            <a:avLst/>
-          </a:prstGeom>
-        </p:spPr>
-      </p:pic>
-      <p:pic>
-        <p:nvPicPr>
-          <p:cNvPr id="2056" name="Picture 2055">
-            <a:extLst>
-              <a:ext uri="{FF2B5EF4-FFF2-40B4-BE49-F238E27FC236}">
-                <a16:creationId xmlns:a16="http://schemas.microsoft.com/office/drawing/2014/main" id="{6663CE46-3C6C-8F4E-7032-A31636506E75}"/>
-              </a:ext>
-            </a:extLst>
-          </p:cNvPr>
-          <p:cNvPicPr>
-            <a:picLocks noChangeAspect="1"/>
-          </p:cNvPicPr>
-          <p:nvPr/>
-        </p:nvPicPr>
-        <p:blipFill>
-          <a:blip r:embed="rId13"/>
-          <a:stretch>
-            <a:fillRect/>
-          </a:stretch>
-        </p:blipFill>
-        <p:spPr>
-          <a:xfrm>
-            <a:off x="31092771" y="5608956"/>
-            <a:ext cx="7990731" cy="2933499"/>
-          </a:xfrm>
-          <a:prstGeom prst="rect">
-            <a:avLst/>
-          </a:prstGeom>
-        </p:spPr>
-      </p:pic>
-      <p:pic>
-        <p:nvPicPr>
-          <p:cNvPr id="2062" name="Picture 2061">
-            <a:extLst>
-              <a:ext uri="{FF2B5EF4-FFF2-40B4-BE49-F238E27FC236}">
-                <a16:creationId xmlns:a16="http://schemas.microsoft.com/office/drawing/2014/main" id="{0C778E6D-24F7-3E7D-A1EE-27EC3B023F97}"/>
-              </a:ext>
-            </a:extLst>
-          </p:cNvPr>
-          <p:cNvPicPr>
-            <a:picLocks noChangeAspect="1"/>
-          </p:cNvPicPr>
-          <p:nvPr/>
-        </p:nvPicPr>
-        <p:blipFill>
-          <a:blip r:embed="rId14"/>
-          <a:stretch>
-            <a:fillRect/>
-          </a:stretch>
-        </p:blipFill>
-        <p:spPr>
-          <a:xfrm>
-            <a:off x="35088138" y="8542455"/>
-            <a:ext cx="7990731" cy="2933500"/>
           </a:xfrm>
           <a:prstGeom prst="rect">
             <a:avLst/>
@@ -6827,8 +6788,8 @@
         </p:nvSpPr>
         <p:spPr bwMode="auto">
           <a:xfrm>
-            <a:off x="31090807" y="9291255"/>
-            <a:ext cx="3997331" cy="5045613"/>
+            <a:off x="31126902" y="11884845"/>
+            <a:ext cx="12310636" cy="6276719"/>
           </a:xfrm>
           <a:prstGeom prst="rect">
             <a:avLst/>
@@ -6960,7 +6921,7 @@
             </a:lvl9pPr>
           </a:lstStyle>
           <a:p>
-            <a:pPr eaLnBrk="1" hangingPunct="1">
+            <a:pPr algn="ctr" eaLnBrk="1" hangingPunct="1">
               <a:spcBef>
                 <a:spcPct val="50000"/>
               </a:spcBef>
@@ -6971,35 +6932,37 @@
                 <a:latin typeface="Times New Roman" panose="02020603050405020304" pitchFamily="18" charset="0"/>
                 <a:cs typeface="Times New Roman" panose="02020603050405020304" pitchFamily="18" charset="0"/>
               </a:rPr>
-              <a:t>Clustering on velocity, spin rate, </a:t>
-            </a:r>
-            <a:r>
-              <a:rPr lang="en-US" altLang="en-US" sz="4000" dirty="0" err="1">
-                <a:latin typeface="Times New Roman" panose="02020603050405020304" pitchFamily="18" charset="0"/>
-                <a:cs typeface="Times New Roman" panose="02020603050405020304" pitchFamily="18" charset="0"/>
-              </a:rPr>
-              <a:t>pfx_x</a:t>
-            </a:r>
+              <a:t>The above graphs plot the centroids of the subtype clusters, which were identified by K-Means. The number of clusters were validated by minimizing within-cluster-sum-of-squares while also considering parsimony.</a:t>
+            </a:r>
+          </a:p>
+          <a:p>
+            <a:pPr algn="ctr" eaLnBrk="1" hangingPunct="1">
+              <a:spcBef>
+                <a:spcPct val="50000"/>
+              </a:spcBef>
+              <a:defRPr/>
+            </a:pPr>
             <a:r>
               <a:rPr lang="en-US" altLang="en-US" sz="4000" dirty="0">
                 <a:latin typeface="Times New Roman" panose="02020603050405020304" pitchFamily="18" charset="0"/>
                 <a:cs typeface="Times New Roman" panose="02020603050405020304" pitchFamily="18" charset="0"/>
               </a:rPr>
-              <a:t>, and </a:t>
-            </a:r>
-            <a:r>
-              <a:rPr lang="en-US" altLang="en-US" sz="4000" dirty="0" err="1">
-                <a:latin typeface="Times New Roman" panose="02020603050405020304" pitchFamily="18" charset="0"/>
-                <a:cs typeface="Times New Roman" panose="02020603050405020304" pitchFamily="18" charset="0"/>
-              </a:rPr>
-              <a:t>pfx_y</a:t>
-            </a:r>
+              <a:t>6 subtypes were observed for Changeup and Curveball, while the other 4 primary types each had 5 subtypes, resulting in 32 total subtypes for both pitcher handedness.</a:t>
+            </a:r>
+          </a:p>
+          <a:p>
+            <a:pPr algn="ctr" eaLnBrk="1" hangingPunct="1">
+              <a:spcBef>
+                <a:spcPct val="50000"/>
+              </a:spcBef>
+              <a:defRPr/>
+            </a:pPr>
             <a:r>
               <a:rPr lang="en-US" altLang="en-US" sz="4000" dirty="0">
                 <a:latin typeface="Times New Roman" panose="02020603050405020304" pitchFamily="18" charset="0"/>
                 <a:cs typeface="Times New Roman" panose="02020603050405020304" pitchFamily="18" charset="0"/>
               </a:rPr>
-              <a:t> with k-means, we went from 6 primary types to 32 subtypes for each handedness.</a:t>
+              <a:t>The color dots represent the pairings we found to be most effective. Blue is the setup and green is the pitch thrown.</a:t>
             </a:r>
           </a:p>
         </p:txBody>
@@ -7019,7 +6982,7 @@
           <p:nvPr/>
         </p:nvPicPr>
         <p:blipFill>
-          <a:blip r:embed="rId15"/>
+          <a:blip r:embed="rId11"/>
           <a:stretch>
             <a:fillRect/>
           </a:stretch>
@@ -7049,7 +7012,7 @@
           <p:nvPr/>
         </p:nvPicPr>
         <p:blipFill>
-          <a:blip r:embed="rId16"/>
+          <a:blip r:embed="rId12"/>
           <a:stretch>
             <a:fillRect/>
           </a:stretch>
@@ -7079,7 +7042,7 @@
           <p:nvPr/>
         </p:nvPicPr>
         <p:blipFill>
-          <a:blip r:embed="rId17"/>
+          <a:blip r:embed="rId13"/>
           <a:stretch>
             <a:fillRect/>
           </a:stretch>
@@ -7109,7 +7072,7 @@
           <p:nvPr/>
         </p:nvPicPr>
         <p:blipFill>
-          <a:blip r:embed="rId18"/>
+          <a:blip r:embed="rId14"/>
           <a:stretch>
             <a:fillRect/>
           </a:stretch>
@@ -7140,8 +7103,8 @@
         </p:nvSpPr>
         <p:spPr bwMode="auto">
           <a:xfrm>
-            <a:off x="14574934" y="19772780"/>
-            <a:ext cx="14282237" cy="3795271"/>
+            <a:off x="14673871" y="19637745"/>
+            <a:ext cx="14473608" cy="2583401"/>
           </a:xfrm>
           <a:prstGeom prst="rect">
             <a:avLst/>
@@ -7284,29 +7247,131 @@
                 <a:latin typeface="Times New Roman" panose="02020603050405020304" pitchFamily="18" charset="0"/>
                 <a:cs typeface="Times New Roman" panose="02020603050405020304" pitchFamily="18" charset="0"/>
               </a:rPr>
-              <a:t>The model picks up on a platoon advantage for RHP, but outputs similar out-values for LHP regardless of batter handedness. From our first model, the best RHP combination was a fastball setting up a cutter. For LHP, it was a slider setting up a slider.</a:t>
-            </a:r>
-          </a:p>
-          <a:p>
-            <a:pPr eaLnBrk="1" hangingPunct="1">
-              <a:spcBef>
-                <a:spcPct val="50000"/>
-              </a:spcBef>
-              <a:defRPr/>
-            </a:pPr>
-            <a:endParaRPr lang="en-US" altLang="en-US" sz="2625" dirty="0"/>
-          </a:p>
-          <a:p>
-            <a:pPr eaLnBrk="1" hangingPunct="1">
-              <a:spcBef>
-                <a:spcPct val="50000"/>
-              </a:spcBef>
-              <a:defRPr/>
-            </a:pPr>
-            <a:endParaRPr lang="en-US" altLang="en-US" sz="2625" dirty="0"/>
+              <a:t>Model 1 picks up on a platoon advantage for RHP, but outputs similar out-values for LHP regardless of batter handedness. Based on our results, the most effective RHP primary type combination was a fastball setting up a cutter. For LHP, it was a slider setting up a slider.</a:t>
+            </a:r>
           </a:p>
         </p:txBody>
       </p:sp>
+      <p:pic>
+        <p:nvPicPr>
+          <p:cNvPr id="12" name="Picture 11">
+            <a:extLst>
+              <a:ext uri="{FF2B5EF4-FFF2-40B4-BE49-F238E27FC236}">
+                <a16:creationId xmlns:a16="http://schemas.microsoft.com/office/drawing/2014/main" id="{EBE0A742-482E-C92D-C3AC-923E18A52A13}"/>
+              </a:ext>
+            </a:extLst>
+          </p:cNvPr>
+          <p:cNvPicPr>
+            <a:picLocks noChangeAspect="1"/>
+          </p:cNvPicPr>
+          <p:nvPr/>
+        </p:nvPicPr>
+        <p:blipFill>
+          <a:blip r:embed="rId15"/>
+          <a:stretch>
+            <a:fillRect/>
+          </a:stretch>
+        </p:blipFill>
+        <p:spPr>
+          <a:xfrm>
+            <a:off x="31126905" y="8833790"/>
+            <a:ext cx="5974506" cy="2849137"/>
+          </a:xfrm>
+          <a:prstGeom prst="rect">
+            <a:avLst/>
+          </a:prstGeom>
+        </p:spPr>
+      </p:pic>
+      <p:pic>
+        <p:nvPicPr>
+          <p:cNvPr id="13" name="Picture 12">
+            <a:extLst>
+              <a:ext uri="{FF2B5EF4-FFF2-40B4-BE49-F238E27FC236}">
+                <a16:creationId xmlns:a16="http://schemas.microsoft.com/office/drawing/2014/main" id="{ACC164F1-1DC7-F368-EE0B-392858F0853E}"/>
+              </a:ext>
+            </a:extLst>
+          </p:cNvPr>
+          <p:cNvPicPr>
+            <a:picLocks noChangeAspect="1"/>
+          </p:cNvPicPr>
+          <p:nvPr/>
+        </p:nvPicPr>
+        <p:blipFill>
+          <a:blip r:embed="rId16"/>
+          <a:stretch>
+            <a:fillRect/>
+          </a:stretch>
+        </p:blipFill>
+        <p:spPr>
+          <a:xfrm>
+            <a:off x="31092772" y="5755781"/>
+            <a:ext cx="5974507" cy="2849138"/>
+          </a:xfrm>
+          <a:prstGeom prst="rect">
+            <a:avLst/>
+          </a:prstGeom>
+        </p:spPr>
+      </p:pic>
+      <p:pic>
+        <p:nvPicPr>
+          <p:cNvPr id="14" name="Picture 13">
+            <a:extLst>
+              <a:ext uri="{FF2B5EF4-FFF2-40B4-BE49-F238E27FC236}">
+                <a16:creationId xmlns:a16="http://schemas.microsoft.com/office/drawing/2014/main" id="{2FB8084F-B38B-17F7-9B94-637E1F21812E}"/>
+              </a:ext>
+            </a:extLst>
+          </p:cNvPr>
+          <p:cNvPicPr>
+            <a:picLocks noChangeAspect="1"/>
+          </p:cNvPicPr>
+          <p:nvPr/>
+        </p:nvPicPr>
+        <p:blipFill>
+          <a:blip r:embed="rId17"/>
+          <a:stretch>
+            <a:fillRect/>
+          </a:stretch>
+        </p:blipFill>
+        <p:spPr>
+          <a:xfrm>
+            <a:off x="37418113" y="8833789"/>
+            <a:ext cx="5974506" cy="2849137"/>
+          </a:xfrm>
+          <a:prstGeom prst="rect">
+            <a:avLst/>
+          </a:prstGeom>
+        </p:spPr>
+      </p:pic>
+      <p:pic>
+        <p:nvPicPr>
+          <p:cNvPr id="15" name="Picture 14">
+            <a:extLst>
+              <a:ext uri="{FF2B5EF4-FFF2-40B4-BE49-F238E27FC236}">
+                <a16:creationId xmlns:a16="http://schemas.microsoft.com/office/drawing/2014/main" id="{0F81B685-9360-7F50-F290-F4846DB1B025}"/>
+              </a:ext>
+            </a:extLst>
+          </p:cNvPr>
+          <p:cNvPicPr>
+            <a:picLocks noChangeAspect="1"/>
+          </p:cNvPicPr>
+          <p:nvPr/>
+        </p:nvPicPr>
+        <p:blipFill>
+          <a:blip r:embed="rId18"/>
+          <a:stretch>
+            <a:fillRect/>
+          </a:stretch>
+        </p:blipFill>
+        <p:spPr>
+          <a:xfrm>
+            <a:off x="37418113" y="5755782"/>
+            <a:ext cx="5974506" cy="2849137"/>
+          </a:xfrm>
+          <a:prstGeom prst="rect">
+            <a:avLst/>
+          </a:prstGeom>
+        </p:spPr>
+      </p:pic>
     </p:spTree>
     <p:custDataLst>
       <p:tags r:id="rId1"/>
